--- a/design mode.pptx
+++ b/design mode.pptx
@@ -9,12 +9,12 @@
   </p:notesMasterIdLst>
   <p:sldIdLst>
     <p:sldId id="257" r:id="rId2"/>
-    <p:sldId id="258" r:id="rId3"/>
-    <p:sldId id="259" r:id="rId4"/>
-    <p:sldId id="280" r:id="rId5"/>
-    <p:sldId id="281" r:id="rId6"/>
-    <p:sldId id="282" r:id="rId7"/>
-    <p:sldId id="283" r:id="rId8"/>
+    <p:sldId id="297" r:id="rId3"/>
+    <p:sldId id="258" r:id="rId4"/>
+    <p:sldId id="259" r:id="rId5"/>
+    <p:sldId id="280" r:id="rId6"/>
+    <p:sldId id="281" r:id="rId7"/>
+    <p:sldId id="282" r:id="rId8"/>
     <p:sldId id="284" r:id="rId9"/>
     <p:sldId id="285" r:id="rId10"/>
     <p:sldId id="263" r:id="rId11"/>
@@ -231,7 +231,7 @@
             <a:fld id="{1EFB5701-14E2-448A-B83E-80FD61B837BD}" type="datetimeFigureOut">
               <a:rPr lang="zh-CN" altLang="en-US" smtClean="0"/>
               <a:pPr/>
-              <a:t>2017/5/14</a:t>
+              <a:t>2017/5/17</a:t>
             </a:fld>
             <a:endParaRPr lang="zh-CN" altLang="en-US"/>
           </a:p>
@@ -1104,7 +1104,7 @@
             <a:fld id="{9674D2DF-EA40-424B-9200-EEB89F240BBC}" type="datetimeFigureOut">
               <a:rPr lang="zh-CN" altLang="en-US" smtClean="0"/>
               <a:pPr/>
-              <a:t>2017/5/14</a:t>
+              <a:t>2017/5/17</a:t>
             </a:fld>
             <a:endParaRPr lang="zh-CN" altLang="en-US"/>
           </a:p>
@@ -1274,7 +1274,7 @@
             <a:fld id="{9674D2DF-EA40-424B-9200-EEB89F240BBC}" type="datetimeFigureOut">
               <a:rPr lang="zh-CN" altLang="en-US" smtClean="0"/>
               <a:pPr/>
-              <a:t>2017/5/14</a:t>
+              <a:t>2017/5/17</a:t>
             </a:fld>
             <a:endParaRPr lang="zh-CN" altLang="en-US"/>
           </a:p>
@@ -1454,7 +1454,7 @@
             <a:fld id="{9674D2DF-EA40-424B-9200-EEB89F240BBC}" type="datetimeFigureOut">
               <a:rPr lang="zh-CN" altLang="en-US" smtClean="0"/>
               <a:pPr/>
-              <a:t>2017/5/14</a:t>
+              <a:t>2017/5/17</a:t>
             </a:fld>
             <a:endParaRPr lang="zh-CN" altLang="en-US"/>
           </a:p>
@@ -1624,7 +1624,7 @@
             <a:fld id="{9674D2DF-EA40-424B-9200-EEB89F240BBC}" type="datetimeFigureOut">
               <a:rPr lang="zh-CN" altLang="en-US" smtClean="0"/>
               <a:pPr/>
-              <a:t>2017/5/14</a:t>
+              <a:t>2017/5/17</a:t>
             </a:fld>
             <a:endParaRPr lang="zh-CN" altLang="en-US"/>
           </a:p>
@@ -1871,7 +1871,7 @@
             <a:fld id="{9674D2DF-EA40-424B-9200-EEB89F240BBC}" type="datetimeFigureOut">
               <a:rPr lang="zh-CN" altLang="en-US" smtClean="0"/>
               <a:pPr/>
-              <a:t>2017/5/14</a:t>
+              <a:t>2017/5/17</a:t>
             </a:fld>
             <a:endParaRPr lang="zh-CN" altLang="en-US"/>
           </a:p>
@@ -2158,7 +2158,7 @@
             <a:fld id="{9674D2DF-EA40-424B-9200-EEB89F240BBC}" type="datetimeFigureOut">
               <a:rPr lang="zh-CN" altLang="en-US" smtClean="0"/>
               <a:pPr/>
-              <a:t>2017/5/14</a:t>
+              <a:t>2017/5/17</a:t>
             </a:fld>
             <a:endParaRPr lang="zh-CN" altLang="en-US"/>
           </a:p>
@@ -2584,7 +2584,7 @@
             <a:fld id="{9674D2DF-EA40-424B-9200-EEB89F240BBC}" type="datetimeFigureOut">
               <a:rPr lang="zh-CN" altLang="en-US" smtClean="0"/>
               <a:pPr/>
-              <a:t>2017/5/14</a:t>
+              <a:t>2017/5/17</a:t>
             </a:fld>
             <a:endParaRPr lang="zh-CN" altLang="en-US"/>
           </a:p>
@@ -2703,7 +2703,7 @@
             <a:fld id="{9674D2DF-EA40-424B-9200-EEB89F240BBC}" type="datetimeFigureOut">
               <a:rPr lang="zh-CN" altLang="en-US" smtClean="0"/>
               <a:pPr/>
-              <a:t>2017/5/14</a:t>
+              <a:t>2017/5/17</a:t>
             </a:fld>
             <a:endParaRPr lang="zh-CN" altLang="en-US"/>
           </a:p>
@@ -2800,7 +2800,7 @@
             <a:fld id="{9674D2DF-EA40-424B-9200-EEB89F240BBC}" type="datetimeFigureOut">
               <a:rPr lang="zh-CN" altLang="en-US" smtClean="0"/>
               <a:pPr/>
-              <a:t>2017/5/14</a:t>
+              <a:t>2017/5/17</a:t>
             </a:fld>
             <a:endParaRPr lang="zh-CN" altLang="en-US"/>
           </a:p>
@@ -3077,7 +3077,7 @@
             <a:fld id="{9674D2DF-EA40-424B-9200-EEB89F240BBC}" type="datetimeFigureOut">
               <a:rPr lang="zh-CN" altLang="en-US" smtClean="0"/>
               <a:pPr/>
-              <a:t>2017/5/14</a:t>
+              <a:t>2017/5/17</a:t>
             </a:fld>
             <a:endParaRPr lang="zh-CN" altLang="en-US"/>
           </a:p>
@@ -3331,7 +3331,7 @@
             <a:fld id="{9674D2DF-EA40-424B-9200-EEB89F240BBC}" type="datetimeFigureOut">
               <a:rPr lang="zh-CN" altLang="en-US" smtClean="0"/>
               <a:pPr/>
-              <a:t>2017/5/14</a:t>
+              <a:t>2017/5/17</a:t>
             </a:fld>
             <a:endParaRPr lang="zh-CN" altLang="en-US"/>
           </a:p>
@@ -3553,7 +3553,7 @@
             <a:fld id="{9674D2DF-EA40-424B-9200-EEB89F240BBC}" type="datetimeFigureOut">
               <a:rPr lang="zh-CN" altLang="en-US" smtClean="0"/>
               <a:pPr/>
-              <a:t>2017/5/14</a:t>
+              <a:t>2017/5/17</a:t>
             </a:fld>
             <a:endParaRPr lang="zh-CN" altLang="en-US"/>
           </a:p>
@@ -5405,120 +5405,6 @@
       </p:pic>
       <p:sp>
         <p:nvSpPr>
-          <p:cNvPr id="19" name="TextBox 18"/>
-          <p:cNvSpPr txBox="1"/>
-          <p:nvPr/>
-        </p:nvSpPr>
-        <p:spPr>
-          <a:xfrm>
-            <a:off x="2375755" y="2418442"/>
-            <a:ext cx="792089" cy="369332"/>
-          </a:xfrm>
-          <a:prstGeom prst="rect">
-            <a:avLst/>
-          </a:prstGeom>
-          <a:noFill/>
-        </p:spPr>
-        <p:txBody>
-          <a:bodyPr wrap="square" rtlCol="0">
-            <a:spAutoFit/>
-          </a:bodyPr>
-          <a:lstStyle/>
-          <a:p>
-            <a:r>
-              <a:rPr lang="en-US" altLang="zh-CN" dirty="0">
-                <a:solidFill>
-                  <a:schemeClr val="bg1"/>
-                </a:solidFill>
-              </a:rPr>
-              <a:t>about</a:t>
-            </a:r>
-            <a:endParaRPr lang="zh-CN" altLang="en-US" dirty="0">
-              <a:solidFill>
-                <a:schemeClr val="bg1"/>
-              </a:solidFill>
-            </a:endParaRPr>
-          </a:p>
-        </p:txBody>
-      </p:sp>
-      <p:sp>
-        <p:nvSpPr>
-          <p:cNvPr id="20" name="TextBox 19"/>
-          <p:cNvSpPr txBox="1"/>
-          <p:nvPr/>
-        </p:nvSpPr>
-        <p:spPr>
-          <a:xfrm>
-            <a:off x="4295968" y="2418442"/>
-            <a:ext cx="792089" cy="369332"/>
-          </a:xfrm>
-          <a:prstGeom prst="rect">
-            <a:avLst/>
-          </a:prstGeom>
-          <a:noFill/>
-        </p:spPr>
-        <p:txBody>
-          <a:bodyPr wrap="square" rtlCol="0">
-            <a:spAutoFit/>
-          </a:bodyPr>
-          <a:lstStyle/>
-          <a:p>
-            <a:r>
-              <a:rPr lang="en-US" altLang="zh-CN" dirty="0">
-                <a:solidFill>
-                  <a:schemeClr val="bg1"/>
-                </a:solidFill>
-              </a:rPr>
-              <a:t>about</a:t>
-            </a:r>
-            <a:endParaRPr lang="zh-CN" altLang="en-US" dirty="0">
-              <a:solidFill>
-                <a:schemeClr val="bg1"/>
-              </a:solidFill>
-            </a:endParaRPr>
-          </a:p>
-        </p:txBody>
-      </p:sp>
-      <p:sp>
-        <p:nvSpPr>
-          <p:cNvPr id="21" name="TextBox 20"/>
-          <p:cNvSpPr txBox="1"/>
-          <p:nvPr/>
-        </p:nvSpPr>
-        <p:spPr>
-          <a:xfrm>
-            <a:off x="6198803" y="2418442"/>
-            <a:ext cx="792089" cy="369332"/>
-          </a:xfrm>
-          <a:prstGeom prst="rect">
-            <a:avLst/>
-          </a:prstGeom>
-          <a:noFill/>
-        </p:spPr>
-        <p:txBody>
-          <a:bodyPr wrap="square" rtlCol="0">
-            <a:spAutoFit/>
-          </a:bodyPr>
-          <a:lstStyle/>
-          <a:p>
-            <a:r>
-              <a:rPr lang="en-US" altLang="zh-CN" dirty="0">
-                <a:solidFill>
-                  <a:schemeClr val="bg1"/>
-                </a:solidFill>
-              </a:rPr>
-              <a:t>about</a:t>
-            </a:r>
-            <a:endParaRPr lang="zh-CN" altLang="en-US" dirty="0">
-              <a:solidFill>
-                <a:schemeClr val="bg1"/>
-              </a:solidFill>
-            </a:endParaRPr>
-          </a:p>
-        </p:txBody>
-      </p:sp>
-      <p:sp>
-        <p:nvSpPr>
           <p:cNvPr id="18" name="TextBox 17"/>
           <p:cNvSpPr txBox="1"/>
           <p:nvPr/>
@@ -5884,44 +5770,6 @@
           </p:txBody>
         </p:sp>
       </p:grpSp>
-      <p:sp>
-        <p:nvSpPr>
-          <p:cNvPr id="5" name="TextBox 4"/>
-          <p:cNvSpPr txBox="1"/>
-          <p:nvPr/>
-        </p:nvSpPr>
-        <p:spPr>
-          <a:xfrm>
-            <a:off x="1678177" y="2531300"/>
-            <a:ext cx="1237639" cy="523220"/>
-          </a:xfrm>
-          <a:prstGeom prst="rect">
-            <a:avLst/>
-          </a:prstGeom>
-          <a:noFill/>
-        </p:spPr>
-        <p:txBody>
-          <a:bodyPr wrap="square" rtlCol="0">
-            <a:spAutoFit/>
-          </a:bodyPr>
-          <a:lstStyle/>
-          <a:p>
-            <a:r>
-              <a:rPr lang="en-US" altLang="zh-CN" sz="2800" dirty="0">
-                <a:solidFill>
-                  <a:schemeClr val="bg1"/>
-                </a:solidFill>
-              </a:rPr>
-              <a:t>about</a:t>
-            </a:r>
-            <a:endParaRPr lang="zh-CN" altLang="en-US" sz="2800" dirty="0">
-              <a:solidFill>
-                <a:schemeClr val="bg1"/>
-              </a:solidFill>
-            </a:endParaRPr>
-          </a:p>
-        </p:txBody>
-      </p:sp>
       <p:pic>
         <p:nvPicPr>
           <p:cNvPr id="6" name="图片 5"/>
@@ -6202,7 +6050,6 @@
               <a:rPr lang="zh-CN" altLang="en-US" dirty="0"/>
               <a:t>　　过多的使用适配器，会让系统非常零乱，不易整体进行把握。</a:t>
             </a:r>
-            <a:endParaRPr lang="zh-CN" altLang="en-US" dirty="0"/>
           </a:p>
         </p:txBody>
       </p:sp>
@@ -6608,13 +6455,8 @@
           <a:p>
             <a:r>
               <a:rPr lang="zh-CN" altLang="en-US" dirty="0"/>
-              <a:t>描述：</a:t>
-            </a:r>
-            <a:r>
-              <a:rPr lang="zh-CN" altLang="en-US" dirty="0"/>
-              <a:t>动态地给一个对象添加一些额外的职责，就好比为房子进行装修一样。</a:t>
-            </a:r>
-            <a:endParaRPr lang="zh-CN" altLang="en-US" dirty="0"/>
+              <a:t>描述：动态地给一个对象添加一些额外的职责，就好比为房子进行装修一样。</a:t>
+            </a:r>
           </a:p>
         </p:txBody>
       </p:sp>
@@ -7426,7 +7268,7 @@
           <p:spPr>
             <a:xfrm>
               <a:off x="1647719" y="2483510"/>
-              <a:ext cx="1299254" cy="548114"/>
+              <a:ext cx="1299254" cy="584775"/>
             </a:xfrm>
             <a:prstGeom prst="rect">
               <a:avLst/>
@@ -7439,14 +7281,6 @@
             </a:bodyPr>
             <a:lstStyle/>
             <a:p>
-              <a:r>
-                <a:rPr lang="en-US" altLang="zh-CN" sz="3200" dirty="0">
-                  <a:solidFill>
-                    <a:schemeClr val="bg1"/>
-                  </a:solidFill>
-                </a:rPr>
-                <a:t>about</a:t>
-              </a:r>
               <a:endParaRPr lang="zh-CN" altLang="en-US" sz="3200" dirty="0">
                 <a:solidFill>
                   <a:schemeClr val="bg1"/>
@@ -7923,6 +7757,908 @@
 </file>
 
 <file path=ppt/slides/slide2.xml><?xml version="1.0" encoding="utf-8"?>
+<p:sld xmlns:a="http://schemas.openxmlformats.org/drawingml/2006/main" xmlns:r="http://schemas.openxmlformats.org/officeDocument/2006/relationships" xmlns:p="http://schemas.openxmlformats.org/presentationml/2006/main">
+  <p:cSld>
+    <p:spTree>
+      <p:nvGrpSpPr>
+        <p:cNvPr id="1" name=""/>
+        <p:cNvGrpSpPr/>
+        <p:nvPr/>
+      </p:nvGrpSpPr>
+      <p:grpSpPr>
+        <a:xfrm>
+          <a:off x="0" y="0"/>
+          <a:ext cx="0" cy="0"/>
+          <a:chOff x="0" y="0"/>
+          <a:chExt cx="0" cy="0"/>
+        </a:xfrm>
+      </p:grpSpPr>
+      <p:pic>
+        <p:nvPicPr>
+          <p:cNvPr id="20" name="图片 19"/>
+          <p:cNvPicPr>
+            <a:picLocks noChangeAspect="1"/>
+          </p:cNvPicPr>
+          <p:nvPr/>
+        </p:nvPicPr>
+        <p:blipFill>
+          <a:blip r:embed="rId2">
+            <a:extLst>
+              <a:ext uri="{28A0092B-C50C-407E-A947-70E740481C1C}">
+                <a14:useLocalDpi xmlns:a14="http://schemas.microsoft.com/office/drawing/2010/main" val="0"/>
+              </a:ext>
+            </a:extLst>
+          </a:blip>
+          <a:stretch>
+            <a:fillRect/>
+          </a:stretch>
+        </p:blipFill>
+        <p:spPr>
+          <a:xfrm>
+            <a:off x="611560" y="1203598"/>
+            <a:ext cx="7776864" cy="3456384"/>
+          </a:xfrm>
+          <a:prstGeom prst="rect">
+            <a:avLst/>
+          </a:prstGeom>
+        </p:spPr>
+      </p:pic>
+    </p:spTree>
+    <p:extLst>
+      <p:ext uri="{BB962C8B-B14F-4D97-AF65-F5344CB8AC3E}">
+        <p14:creationId xmlns:p14="http://schemas.microsoft.com/office/powerpoint/2010/main" val="1949697807"/>
+      </p:ext>
+    </p:extLst>
+  </p:cSld>
+  <p:clrMapOvr>
+    <a:masterClrMapping/>
+  </p:clrMapOvr>
+</p:sld>
+</file>
+
+<file path=ppt/slides/slide20.xml><?xml version="1.0" encoding="utf-8"?>
+<p:sld xmlns:a="http://schemas.openxmlformats.org/drawingml/2006/main" xmlns:r="http://schemas.openxmlformats.org/officeDocument/2006/relationships" xmlns:p="http://schemas.openxmlformats.org/presentationml/2006/main">
+  <p:cSld>
+    <p:spTree>
+      <p:nvGrpSpPr>
+        <p:cNvPr id="1" name=""/>
+        <p:cNvGrpSpPr/>
+        <p:nvPr/>
+      </p:nvGrpSpPr>
+      <p:grpSpPr>
+        <a:xfrm>
+          <a:off x="0" y="0"/>
+          <a:ext cx="0" cy="0"/>
+          <a:chOff x="0" y="0"/>
+          <a:chExt cx="0" cy="0"/>
+        </a:xfrm>
+      </p:grpSpPr>
+      <p:sp>
+        <p:nvSpPr>
+          <p:cNvPr id="2" name="矩形 1"/>
+          <p:cNvSpPr/>
+          <p:nvPr/>
+        </p:nvSpPr>
+        <p:spPr>
+          <a:xfrm>
+            <a:off x="0" y="448022"/>
+            <a:ext cx="611560" cy="611560"/>
+          </a:xfrm>
+          <a:prstGeom prst="rect">
+            <a:avLst/>
+          </a:prstGeom>
+          <a:solidFill>
+            <a:srgbClr val="00B0F0"/>
+          </a:solidFill>
+          <a:ln>
+            <a:noFill/>
+          </a:ln>
+        </p:spPr>
+        <p:style>
+          <a:lnRef idx="2">
+            <a:schemeClr val="accent1">
+              <a:shade val="50000"/>
+            </a:schemeClr>
+          </a:lnRef>
+          <a:fillRef idx="1">
+            <a:schemeClr val="accent1"/>
+          </a:fillRef>
+          <a:effectRef idx="0">
+            <a:schemeClr val="accent1"/>
+          </a:effectRef>
+          <a:fontRef idx="minor">
+            <a:schemeClr val="lt1"/>
+          </a:fontRef>
+        </p:style>
+        <p:txBody>
+          <a:bodyPr rtlCol="0" anchor="ctr"/>
+          <a:lstStyle/>
+          <a:p>
+            <a:pPr algn="ctr"/>
+            <a:endParaRPr lang="zh-CN" altLang="en-US">
+              <a:solidFill>
+                <a:srgbClr val="F2A849"/>
+              </a:solidFill>
+            </a:endParaRPr>
+          </a:p>
+        </p:txBody>
+      </p:sp>
+      <p:sp>
+        <p:nvSpPr>
+          <p:cNvPr id="3" name="TextBox 2"/>
+          <p:cNvSpPr txBox="1"/>
+          <p:nvPr/>
+        </p:nvSpPr>
+        <p:spPr>
+          <a:xfrm>
+            <a:off x="683568" y="569136"/>
+            <a:ext cx="1584176" cy="369332"/>
+          </a:xfrm>
+          <a:prstGeom prst="rect">
+            <a:avLst/>
+          </a:prstGeom>
+          <a:noFill/>
+        </p:spPr>
+        <p:txBody>
+          <a:bodyPr wrap="square" rtlCol="0">
+            <a:spAutoFit/>
+          </a:bodyPr>
+          <a:lstStyle/>
+          <a:p>
+            <a:r>
+              <a:rPr lang="zh-CN" altLang="en-US" dirty="0"/>
+              <a:t>观察者模式</a:t>
+            </a:r>
+            <a:endParaRPr lang="zh-CN" altLang="en-US" dirty="0">
+              <a:solidFill>
+                <a:srgbClr val="00B0F0"/>
+              </a:solidFill>
+              <a:latin typeface="微软雅黑" pitchFamily="34" charset="-122"/>
+              <a:ea typeface="微软雅黑" pitchFamily="34" charset="-122"/>
+            </a:endParaRPr>
+          </a:p>
+        </p:txBody>
+      </p:sp>
+      <p:sp>
+        <p:nvSpPr>
+          <p:cNvPr id="4" name="文本框 3"/>
+          <p:cNvSpPr txBox="1"/>
+          <p:nvPr/>
+        </p:nvSpPr>
+        <p:spPr>
+          <a:xfrm>
+            <a:off x="899592" y="1347614"/>
+            <a:ext cx="7200800" cy="2585323"/>
+          </a:xfrm>
+          <a:prstGeom prst="rect">
+            <a:avLst/>
+          </a:prstGeom>
+          <a:noFill/>
+        </p:spPr>
+        <p:txBody>
+          <a:bodyPr wrap="square" rtlCol="0">
+            <a:spAutoFit/>
+          </a:bodyPr>
+          <a:lstStyle/>
+          <a:p>
+            <a:r>
+              <a:rPr lang="zh-CN" altLang="en-US" b="1" dirty="0"/>
+              <a:t>观察者模式是对象的行为模式，又叫发布</a:t>
+            </a:r>
+            <a:r>
+              <a:rPr lang="en-US" altLang="zh-CN" b="1" dirty="0"/>
+              <a:t>-</a:t>
+            </a:r>
+            <a:r>
+              <a:rPr lang="zh-CN" altLang="en-US" b="1" dirty="0"/>
+              <a:t>订阅</a:t>
+            </a:r>
+            <a:r>
+              <a:rPr lang="en-US" altLang="zh-CN" b="1" dirty="0"/>
+              <a:t>(Publish/Subscribe)</a:t>
+            </a:r>
+            <a:r>
+              <a:rPr lang="zh-CN" altLang="en-US" b="1" dirty="0"/>
+              <a:t>模式、</a:t>
+            </a:r>
+            <a:endParaRPr lang="en-US" altLang="zh-CN" b="1" dirty="0"/>
+          </a:p>
+          <a:p>
+            <a:r>
+              <a:rPr lang="zh-CN" altLang="en-US" b="1" dirty="0"/>
+              <a:t>模型</a:t>
+            </a:r>
+            <a:r>
+              <a:rPr lang="en-US" altLang="zh-CN" b="1" dirty="0"/>
+              <a:t>-</a:t>
+            </a:r>
+            <a:r>
+              <a:rPr lang="zh-CN" altLang="en-US" b="1" dirty="0"/>
+              <a:t>视图</a:t>
+            </a:r>
+            <a:r>
+              <a:rPr lang="en-US" altLang="zh-CN" b="1" dirty="0"/>
+              <a:t>(Model/View)</a:t>
+            </a:r>
+            <a:r>
+              <a:rPr lang="zh-CN" altLang="en-US" b="1" dirty="0"/>
+              <a:t>模式、源</a:t>
+            </a:r>
+            <a:r>
+              <a:rPr lang="en-US" altLang="zh-CN" b="1" dirty="0"/>
+              <a:t>-</a:t>
+            </a:r>
+            <a:r>
+              <a:rPr lang="zh-CN" altLang="en-US" b="1" dirty="0"/>
+              <a:t>监听器</a:t>
+            </a:r>
+            <a:r>
+              <a:rPr lang="en-US" altLang="zh-CN" b="1" dirty="0"/>
+              <a:t>(Source/Listener)</a:t>
+            </a:r>
+            <a:r>
+              <a:rPr lang="zh-CN" altLang="en-US" b="1" dirty="0"/>
+              <a:t>模式或从属者</a:t>
+            </a:r>
+            <a:r>
+              <a:rPr lang="en-US" altLang="zh-CN" b="1" dirty="0"/>
+              <a:t>(Dependents)</a:t>
+            </a:r>
+            <a:r>
+              <a:rPr lang="zh-CN" altLang="en-US" b="1" dirty="0"/>
+              <a:t>模式。</a:t>
+            </a:r>
+            <a:endParaRPr lang="en-US" altLang="zh-CN" b="1" dirty="0"/>
+          </a:p>
+          <a:p>
+            <a:endParaRPr lang="zh-CN" altLang="en-US" dirty="0"/>
+          </a:p>
+          <a:p>
+            <a:r>
+              <a:rPr lang="zh-CN" altLang="en-US" b="1" dirty="0"/>
+              <a:t>观察者模式定义了一种一对多的依赖关系，让多个观察者对象同时监听某一个主题对象。</a:t>
+            </a:r>
+            <a:endParaRPr lang="en-US" altLang="zh-CN" b="1" dirty="0"/>
+          </a:p>
+          <a:p>
+            <a:r>
+              <a:rPr lang="zh-CN" altLang="en-US" b="1" dirty="0"/>
+              <a:t>这个主题对象在状态上发生变化时，会通知所有观察者对象，使它们能够自动更新自己。</a:t>
+            </a:r>
+            <a:endParaRPr lang="zh-CN" altLang="en-US" dirty="0"/>
+          </a:p>
+          <a:p>
+            <a:endParaRPr lang="zh-CN" altLang="en-US" dirty="0"/>
+          </a:p>
+        </p:txBody>
+      </p:sp>
+    </p:spTree>
+    <p:extLst>
+      <p:ext uri="{BB962C8B-B14F-4D97-AF65-F5344CB8AC3E}">
+        <p14:creationId xmlns:p14="http://schemas.microsoft.com/office/powerpoint/2010/main" val="4241081893"/>
+      </p:ext>
+    </p:extLst>
+  </p:cSld>
+  <p:clrMapOvr>
+    <a:masterClrMapping/>
+  </p:clrMapOvr>
+</p:sld>
+</file>
+
+<file path=ppt/slides/slide21.xml><?xml version="1.0" encoding="utf-8"?>
+<p:sld xmlns:a="http://schemas.openxmlformats.org/drawingml/2006/main" xmlns:r="http://schemas.openxmlformats.org/officeDocument/2006/relationships" xmlns:p="http://schemas.openxmlformats.org/presentationml/2006/main">
+  <p:cSld>
+    <p:spTree>
+      <p:nvGrpSpPr>
+        <p:cNvPr id="1" name=""/>
+        <p:cNvGrpSpPr/>
+        <p:nvPr/>
+      </p:nvGrpSpPr>
+      <p:grpSpPr>
+        <a:xfrm>
+          <a:off x="0" y="0"/>
+          <a:ext cx="0" cy="0"/>
+          <a:chOff x="0" y="0"/>
+          <a:chExt cx="0" cy="0"/>
+        </a:xfrm>
+      </p:grpSpPr>
+      <p:sp>
+        <p:nvSpPr>
+          <p:cNvPr id="2" name="矩形 1"/>
+          <p:cNvSpPr/>
+          <p:nvPr/>
+        </p:nvSpPr>
+        <p:spPr>
+          <a:xfrm>
+            <a:off x="0" y="448022"/>
+            <a:ext cx="611560" cy="611560"/>
+          </a:xfrm>
+          <a:prstGeom prst="rect">
+            <a:avLst/>
+          </a:prstGeom>
+          <a:solidFill>
+            <a:srgbClr val="00B0F0"/>
+          </a:solidFill>
+          <a:ln>
+            <a:noFill/>
+          </a:ln>
+        </p:spPr>
+        <p:style>
+          <a:lnRef idx="2">
+            <a:schemeClr val="accent1">
+              <a:shade val="50000"/>
+            </a:schemeClr>
+          </a:lnRef>
+          <a:fillRef idx="1">
+            <a:schemeClr val="accent1"/>
+          </a:fillRef>
+          <a:effectRef idx="0">
+            <a:schemeClr val="accent1"/>
+          </a:effectRef>
+          <a:fontRef idx="minor">
+            <a:schemeClr val="lt1"/>
+          </a:fontRef>
+        </p:style>
+        <p:txBody>
+          <a:bodyPr rtlCol="0" anchor="ctr"/>
+          <a:lstStyle/>
+          <a:p>
+            <a:pPr algn="ctr"/>
+            <a:endParaRPr lang="zh-CN" altLang="en-US">
+              <a:solidFill>
+                <a:srgbClr val="F2A849"/>
+              </a:solidFill>
+            </a:endParaRPr>
+          </a:p>
+        </p:txBody>
+      </p:sp>
+      <p:sp>
+        <p:nvSpPr>
+          <p:cNvPr id="3" name="TextBox 2"/>
+          <p:cNvSpPr txBox="1"/>
+          <p:nvPr/>
+        </p:nvSpPr>
+        <p:spPr>
+          <a:xfrm>
+            <a:off x="683568" y="569136"/>
+            <a:ext cx="1584176" cy="369332"/>
+          </a:xfrm>
+          <a:prstGeom prst="rect">
+            <a:avLst/>
+          </a:prstGeom>
+          <a:noFill/>
+        </p:spPr>
+        <p:txBody>
+          <a:bodyPr wrap="square" rtlCol="0">
+            <a:spAutoFit/>
+          </a:bodyPr>
+          <a:lstStyle/>
+          <a:p>
+            <a:r>
+              <a:rPr lang="zh-CN" altLang="en-US" dirty="0"/>
+              <a:t>观察者模式</a:t>
+            </a:r>
+            <a:endParaRPr lang="zh-CN" altLang="en-US" dirty="0">
+              <a:solidFill>
+                <a:srgbClr val="00B0F0"/>
+              </a:solidFill>
+              <a:latin typeface="微软雅黑" pitchFamily="34" charset="-122"/>
+              <a:ea typeface="微软雅黑" pitchFamily="34" charset="-122"/>
+            </a:endParaRPr>
+          </a:p>
+        </p:txBody>
+      </p:sp>
+      <p:pic>
+        <p:nvPicPr>
+          <p:cNvPr id="6" name="图片 5"/>
+          <p:cNvPicPr>
+            <a:picLocks noChangeAspect="1"/>
+          </p:cNvPicPr>
+          <p:nvPr/>
+        </p:nvPicPr>
+        <p:blipFill>
+          <a:blip r:embed="rId2">
+            <a:extLst>
+              <a:ext uri="{28A0092B-C50C-407E-A947-70E740481C1C}">
+                <a14:useLocalDpi xmlns:a14="http://schemas.microsoft.com/office/drawing/2010/main" val="0"/>
+              </a:ext>
+            </a:extLst>
+          </a:blip>
+          <a:stretch>
+            <a:fillRect/>
+          </a:stretch>
+        </p:blipFill>
+        <p:spPr>
+          <a:xfrm>
+            <a:off x="971600" y="1131590"/>
+            <a:ext cx="7143090" cy="3067769"/>
+          </a:xfrm>
+          <a:prstGeom prst="rect">
+            <a:avLst/>
+          </a:prstGeom>
+        </p:spPr>
+      </p:pic>
+    </p:spTree>
+    <p:extLst>
+      <p:ext uri="{BB962C8B-B14F-4D97-AF65-F5344CB8AC3E}">
+        <p14:creationId xmlns:p14="http://schemas.microsoft.com/office/powerpoint/2010/main" val="1073976992"/>
+      </p:ext>
+    </p:extLst>
+  </p:cSld>
+  <p:clrMapOvr>
+    <a:masterClrMapping/>
+  </p:clrMapOvr>
+</p:sld>
+</file>
+
+<file path=ppt/slides/slide22.xml><?xml version="1.0" encoding="utf-8"?>
+<p:sld xmlns:a="http://schemas.openxmlformats.org/drawingml/2006/main" xmlns:r="http://schemas.openxmlformats.org/officeDocument/2006/relationships" xmlns:p="http://schemas.openxmlformats.org/presentationml/2006/main">
+  <p:cSld>
+    <p:spTree>
+      <p:nvGrpSpPr>
+        <p:cNvPr id="1" name=""/>
+        <p:cNvGrpSpPr/>
+        <p:nvPr/>
+      </p:nvGrpSpPr>
+      <p:grpSpPr>
+        <a:xfrm>
+          <a:off x="0" y="0"/>
+          <a:ext cx="0" cy="0"/>
+          <a:chOff x="0" y="0"/>
+          <a:chExt cx="0" cy="0"/>
+        </a:xfrm>
+      </p:grpSpPr>
+      <p:sp>
+        <p:nvSpPr>
+          <p:cNvPr id="2" name="矩形 1"/>
+          <p:cNvSpPr/>
+          <p:nvPr/>
+        </p:nvSpPr>
+        <p:spPr>
+          <a:xfrm>
+            <a:off x="0" y="448022"/>
+            <a:ext cx="611560" cy="611560"/>
+          </a:xfrm>
+          <a:prstGeom prst="rect">
+            <a:avLst/>
+          </a:prstGeom>
+          <a:solidFill>
+            <a:srgbClr val="00B0F0"/>
+          </a:solidFill>
+          <a:ln>
+            <a:noFill/>
+          </a:ln>
+        </p:spPr>
+        <p:style>
+          <a:lnRef idx="2">
+            <a:schemeClr val="accent1">
+              <a:shade val="50000"/>
+            </a:schemeClr>
+          </a:lnRef>
+          <a:fillRef idx="1">
+            <a:schemeClr val="accent1"/>
+          </a:fillRef>
+          <a:effectRef idx="0">
+            <a:schemeClr val="accent1"/>
+          </a:effectRef>
+          <a:fontRef idx="minor">
+            <a:schemeClr val="lt1"/>
+          </a:fontRef>
+        </p:style>
+        <p:txBody>
+          <a:bodyPr rtlCol="0" anchor="ctr"/>
+          <a:lstStyle/>
+          <a:p>
+            <a:pPr algn="ctr"/>
+            <a:endParaRPr lang="zh-CN" altLang="en-US">
+              <a:solidFill>
+                <a:srgbClr val="F2A849"/>
+              </a:solidFill>
+            </a:endParaRPr>
+          </a:p>
+        </p:txBody>
+      </p:sp>
+      <p:sp>
+        <p:nvSpPr>
+          <p:cNvPr id="3" name="TextBox 2"/>
+          <p:cNvSpPr txBox="1"/>
+          <p:nvPr/>
+        </p:nvSpPr>
+        <p:spPr>
+          <a:xfrm>
+            <a:off x="683568" y="569136"/>
+            <a:ext cx="1584176" cy="369332"/>
+          </a:xfrm>
+          <a:prstGeom prst="rect">
+            <a:avLst/>
+          </a:prstGeom>
+          <a:noFill/>
+        </p:spPr>
+        <p:txBody>
+          <a:bodyPr wrap="square" rtlCol="0">
+            <a:spAutoFit/>
+          </a:bodyPr>
+          <a:lstStyle/>
+          <a:p>
+            <a:r>
+              <a:rPr lang="zh-CN" altLang="en-US" dirty="0"/>
+              <a:t>命令模式</a:t>
+            </a:r>
+            <a:endParaRPr lang="zh-CN" altLang="en-US" dirty="0">
+              <a:solidFill>
+                <a:srgbClr val="00B0F0"/>
+              </a:solidFill>
+              <a:latin typeface="微软雅黑" pitchFamily="34" charset="-122"/>
+              <a:ea typeface="微软雅黑" pitchFamily="34" charset="-122"/>
+            </a:endParaRPr>
+          </a:p>
+        </p:txBody>
+      </p:sp>
+      <p:sp>
+        <p:nvSpPr>
+          <p:cNvPr id="4" name="文本框 3"/>
+          <p:cNvSpPr txBox="1"/>
+          <p:nvPr/>
+        </p:nvSpPr>
+        <p:spPr>
+          <a:xfrm>
+            <a:off x="827584" y="1491630"/>
+            <a:ext cx="8584401" cy="2585323"/>
+          </a:xfrm>
+          <a:prstGeom prst="rect">
+            <a:avLst/>
+          </a:prstGeom>
+          <a:noFill/>
+        </p:spPr>
+        <p:txBody>
+          <a:bodyPr wrap="none" rtlCol="0">
+            <a:spAutoFit/>
+          </a:bodyPr>
+          <a:lstStyle/>
+          <a:p>
+            <a:r>
+              <a:rPr lang="en-US" altLang="zh-CN" dirty="0"/>
+              <a:t>1)</a:t>
+            </a:r>
+            <a:r>
+              <a:rPr lang="zh-CN" altLang="en-US" dirty="0"/>
+              <a:t>、</a:t>
+            </a:r>
+            <a:r>
+              <a:rPr lang="en-US" altLang="zh-CN" dirty="0"/>
+              <a:t>command</a:t>
+            </a:r>
+            <a:r>
+              <a:rPr lang="zh-CN" altLang="en-US" dirty="0"/>
+              <a:t>模式将调用操作的对象和实现该操作的对象解耦</a:t>
+            </a:r>
+            <a:br>
+              <a:rPr lang="zh-CN" altLang="en-US" dirty="0"/>
+            </a:br>
+            <a:r>
+              <a:rPr lang="en-US" altLang="zh-CN" dirty="0"/>
+              <a:t>2)</a:t>
+            </a:r>
+            <a:r>
+              <a:rPr lang="zh-CN" altLang="en-US" dirty="0"/>
+              <a:t>、可以将多个命令装配成一个复合命令，复合命令是</a:t>
+            </a:r>
+            <a:r>
+              <a:rPr lang="en-US" altLang="zh-CN" dirty="0"/>
+              <a:t>Composite</a:t>
+            </a:r>
+            <a:r>
+              <a:rPr lang="zh-CN" altLang="en-US" dirty="0"/>
+              <a:t>模式的一个实例</a:t>
+            </a:r>
+            <a:br>
+              <a:rPr lang="zh-CN" altLang="en-US" dirty="0"/>
+            </a:br>
+            <a:r>
+              <a:rPr lang="en-US" altLang="zh-CN" dirty="0"/>
+              <a:t>3)</a:t>
+            </a:r>
+            <a:r>
+              <a:rPr lang="zh-CN" altLang="en-US" dirty="0"/>
+              <a:t>、增加新的</a:t>
+            </a:r>
+            <a:r>
+              <a:rPr lang="en-US" altLang="zh-CN" dirty="0"/>
+              <a:t>command</a:t>
+            </a:r>
+            <a:r>
+              <a:rPr lang="zh-CN" altLang="en-US" dirty="0"/>
+              <a:t>很容易，无需改变已有的类</a:t>
+            </a:r>
+            <a:br>
+              <a:rPr lang="zh-CN" altLang="en-US" dirty="0"/>
+            </a:br>
+            <a:r>
+              <a:rPr lang="zh-CN" altLang="en-US" dirty="0"/>
+              <a:t>适用性：</a:t>
+            </a:r>
+            <a:br>
+              <a:rPr lang="zh-CN" altLang="en-US" dirty="0"/>
+            </a:br>
+            <a:r>
+              <a:rPr lang="en-US" altLang="zh-CN" dirty="0"/>
+              <a:t>1)</a:t>
+            </a:r>
+            <a:r>
+              <a:rPr lang="zh-CN" altLang="en-US" dirty="0"/>
+              <a:t>、抽象出待执行的动作以参数化某对象</a:t>
+            </a:r>
+            <a:br>
+              <a:rPr lang="zh-CN" altLang="en-US" dirty="0"/>
+            </a:br>
+            <a:r>
+              <a:rPr lang="en-US" altLang="zh-CN" dirty="0"/>
+              <a:t>2)</a:t>
+            </a:r>
+            <a:r>
+              <a:rPr lang="zh-CN" altLang="en-US" dirty="0"/>
+              <a:t>、在不同的时刻指定、排列和执行请求。如请求队列</a:t>
+            </a:r>
+            <a:br>
+              <a:rPr lang="zh-CN" altLang="en-US" dirty="0"/>
+            </a:br>
+            <a:r>
+              <a:rPr lang="en-US" altLang="zh-CN" dirty="0"/>
+              <a:t>3)</a:t>
+            </a:r>
+            <a:r>
+              <a:rPr lang="zh-CN" altLang="en-US" dirty="0"/>
+              <a:t>、支持取消操作</a:t>
+            </a:r>
+            <a:br>
+              <a:rPr lang="zh-CN" altLang="en-US" dirty="0"/>
+            </a:br>
+            <a:r>
+              <a:rPr lang="en-US" altLang="zh-CN" dirty="0"/>
+              <a:t>4)</a:t>
+            </a:r>
+            <a:r>
+              <a:rPr lang="zh-CN" altLang="en-US" dirty="0"/>
+              <a:t>、支持修改日志</a:t>
+            </a:r>
+            <a:br>
+              <a:rPr lang="zh-CN" altLang="en-US" dirty="0"/>
+            </a:br>
+            <a:r>
+              <a:rPr lang="en-US" altLang="zh-CN" dirty="0"/>
+              <a:t>5)</a:t>
+            </a:r>
+            <a:r>
+              <a:rPr lang="zh-CN" altLang="en-US" dirty="0"/>
+              <a:t>、用构建在原语操作上的高层操作构造一个系统。支持事物</a:t>
+            </a:r>
+          </a:p>
+        </p:txBody>
+      </p:sp>
+      <p:sp>
+        <p:nvSpPr>
+          <p:cNvPr id="5" name="文本框 4"/>
+          <p:cNvSpPr txBox="1"/>
+          <p:nvPr/>
+        </p:nvSpPr>
+        <p:spPr>
+          <a:xfrm>
+            <a:off x="899592" y="4227934"/>
+            <a:ext cx="3960440" cy="923330"/>
+          </a:xfrm>
+          <a:prstGeom prst="rect">
+            <a:avLst/>
+          </a:prstGeom>
+          <a:noFill/>
+        </p:spPr>
+        <p:txBody>
+          <a:bodyPr wrap="square" rtlCol="0">
+            <a:spAutoFit/>
+          </a:bodyPr>
+          <a:lstStyle/>
+          <a:p>
+            <a:r>
+              <a:rPr lang="zh-CN" altLang="en-US" dirty="0"/>
+              <a:t>常见应用：</a:t>
+            </a:r>
+            <a:br>
+              <a:rPr lang="zh-CN" altLang="en-US" dirty="0"/>
+            </a:br>
+            <a:r>
+              <a:rPr lang="en-US" altLang="zh-CN" dirty="0"/>
+              <a:t>1</a:t>
+            </a:r>
+            <a:r>
+              <a:rPr lang="zh-CN" altLang="en-US" dirty="0"/>
+              <a:t>、工作队列，线程池，日程安排</a:t>
+            </a:r>
+            <a:br>
+              <a:rPr lang="zh-CN" altLang="en-US" dirty="0"/>
+            </a:br>
+            <a:r>
+              <a:rPr lang="en-US" altLang="zh-CN" dirty="0"/>
+              <a:t>2</a:t>
+            </a:r>
+            <a:r>
+              <a:rPr lang="zh-CN" altLang="en-US" dirty="0"/>
+              <a:t>、日志请求</a:t>
+            </a:r>
+            <a:r>
+              <a:rPr lang="en-US" altLang="zh-CN" dirty="0"/>
+              <a:t>(</a:t>
+            </a:r>
+            <a:r>
+              <a:rPr lang="zh-CN" altLang="en-US" dirty="0"/>
+              <a:t>系统恢复</a:t>
+            </a:r>
+            <a:r>
+              <a:rPr lang="en-US" altLang="zh-CN" dirty="0"/>
+              <a:t>)</a:t>
+            </a:r>
+            <a:endParaRPr lang="zh-CN" altLang="en-US" dirty="0"/>
+          </a:p>
+        </p:txBody>
+      </p:sp>
+    </p:spTree>
+    <p:extLst>
+      <p:ext uri="{BB962C8B-B14F-4D97-AF65-F5344CB8AC3E}">
+        <p14:creationId xmlns:p14="http://schemas.microsoft.com/office/powerpoint/2010/main" val="3978819672"/>
+      </p:ext>
+    </p:extLst>
+  </p:cSld>
+  <p:clrMapOvr>
+    <a:masterClrMapping/>
+  </p:clrMapOvr>
+</p:sld>
+</file>
+
+<file path=ppt/slides/slide23.xml><?xml version="1.0" encoding="utf-8"?>
+<p:sld xmlns:a="http://schemas.openxmlformats.org/drawingml/2006/main" xmlns:r="http://schemas.openxmlformats.org/officeDocument/2006/relationships" xmlns:p="http://schemas.openxmlformats.org/presentationml/2006/main">
+  <p:cSld>
+    <p:spTree>
+      <p:nvGrpSpPr>
+        <p:cNvPr id="1" name=""/>
+        <p:cNvGrpSpPr/>
+        <p:nvPr/>
+      </p:nvGrpSpPr>
+      <p:grpSpPr>
+        <a:xfrm>
+          <a:off x="0" y="0"/>
+          <a:ext cx="0" cy="0"/>
+          <a:chOff x="0" y="0"/>
+          <a:chExt cx="0" cy="0"/>
+        </a:xfrm>
+      </p:grpSpPr>
+      <p:sp>
+        <p:nvSpPr>
+          <p:cNvPr id="2" name="矩形 1"/>
+          <p:cNvSpPr/>
+          <p:nvPr/>
+        </p:nvSpPr>
+        <p:spPr>
+          <a:xfrm>
+            <a:off x="0" y="448022"/>
+            <a:ext cx="611560" cy="611560"/>
+          </a:xfrm>
+          <a:prstGeom prst="rect">
+            <a:avLst/>
+          </a:prstGeom>
+          <a:solidFill>
+            <a:srgbClr val="00B0F0"/>
+          </a:solidFill>
+          <a:ln>
+            <a:noFill/>
+          </a:ln>
+        </p:spPr>
+        <p:style>
+          <a:lnRef idx="2">
+            <a:schemeClr val="accent1">
+              <a:shade val="50000"/>
+            </a:schemeClr>
+          </a:lnRef>
+          <a:fillRef idx="1">
+            <a:schemeClr val="accent1"/>
+          </a:fillRef>
+          <a:effectRef idx="0">
+            <a:schemeClr val="accent1"/>
+          </a:effectRef>
+          <a:fontRef idx="minor">
+            <a:schemeClr val="lt1"/>
+          </a:fontRef>
+        </p:style>
+        <p:txBody>
+          <a:bodyPr rtlCol="0" anchor="ctr"/>
+          <a:lstStyle/>
+          <a:p>
+            <a:pPr algn="ctr"/>
+            <a:endParaRPr lang="zh-CN" altLang="en-US">
+              <a:solidFill>
+                <a:srgbClr val="F2A849"/>
+              </a:solidFill>
+            </a:endParaRPr>
+          </a:p>
+        </p:txBody>
+      </p:sp>
+      <p:sp>
+        <p:nvSpPr>
+          <p:cNvPr id="3" name="TextBox 2"/>
+          <p:cNvSpPr txBox="1"/>
+          <p:nvPr/>
+        </p:nvSpPr>
+        <p:spPr>
+          <a:xfrm>
+            <a:off x="683568" y="569136"/>
+            <a:ext cx="1584176" cy="369332"/>
+          </a:xfrm>
+          <a:prstGeom prst="rect">
+            <a:avLst/>
+          </a:prstGeom>
+          <a:noFill/>
+        </p:spPr>
+        <p:txBody>
+          <a:bodyPr wrap="square" rtlCol="0">
+            <a:spAutoFit/>
+          </a:bodyPr>
+          <a:lstStyle/>
+          <a:p>
+            <a:r>
+              <a:rPr lang="zh-CN" altLang="en-US" dirty="0"/>
+              <a:t>命令模式</a:t>
+            </a:r>
+            <a:endParaRPr lang="zh-CN" altLang="en-US" dirty="0">
+              <a:solidFill>
+                <a:srgbClr val="00B0F0"/>
+              </a:solidFill>
+              <a:latin typeface="微软雅黑" pitchFamily="34" charset="-122"/>
+              <a:ea typeface="微软雅黑" pitchFamily="34" charset="-122"/>
+            </a:endParaRPr>
+          </a:p>
+        </p:txBody>
+      </p:sp>
+      <p:pic>
+        <p:nvPicPr>
+          <p:cNvPr id="8" name="图片 7"/>
+          <p:cNvPicPr>
+            <a:picLocks noChangeAspect="1"/>
+          </p:cNvPicPr>
+          <p:nvPr/>
+        </p:nvPicPr>
+        <p:blipFill>
+          <a:blip r:embed="rId2">
+            <a:extLst>
+              <a:ext uri="{28A0092B-C50C-407E-A947-70E740481C1C}">
+                <a14:useLocalDpi xmlns:a14="http://schemas.microsoft.com/office/drawing/2010/main" val="0"/>
+              </a:ext>
+            </a:extLst>
+          </a:blip>
+          <a:stretch>
+            <a:fillRect/>
+          </a:stretch>
+        </p:blipFill>
+        <p:spPr>
+          <a:xfrm>
+            <a:off x="1331640" y="1039391"/>
+            <a:ext cx="6768752" cy="3504968"/>
+          </a:xfrm>
+          <a:prstGeom prst="rect">
+            <a:avLst/>
+          </a:prstGeom>
+        </p:spPr>
+      </p:pic>
+    </p:spTree>
+    <p:extLst>
+      <p:ext uri="{BB962C8B-B14F-4D97-AF65-F5344CB8AC3E}">
+        <p14:creationId xmlns:p14="http://schemas.microsoft.com/office/powerpoint/2010/main" val="1618001342"/>
+      </p:ext>
+    </p:extLst>
+  </p:cSld>
+  <p:clrMapOvr>
+    <a:masterClrMapping/>
+  </p:clrMapOvr>
+</p:sld>
+</file>
+
+<file path=ppt/slides/slide3.xml><?xml version="1.0" encoding="utf-8"?>
 <p:sld xmlns:a="http://schemas.openxmlformats.org/drawingml/2006/main" xmlns:r="http://schemas.openxmlformats.org/officeDocument/2006/relationships" xmlns:p="http://schemas.openxmlformats.org/presentationml/2006/main">
   <p:cSld>
     <p:spTree>
@@ -8161,8 +8897,8 @@
         </p:nvSpPr>
         <p:spPr>
           <a:xfrm>
-            <a:off x="4067944" y="2211710"/>
-            <a:ext cx="4392488" cy="369332"/>
+            <a:off x="3635896" y="2211710"/>
+            <a:ext cx="1512168" cy="369332"/>
           </a:xfrm>
           <a:prstGeom prst="rect">
             <a:avLst/>
@@ -8201,850 +8937,7 @@
 </p:sld>
 </file>
 
-<file path=ppt/slides/slide20.xml><?xml version="1.0" encoding="utf-8"?>
-<p:sld xmlns:a="http://schemas.openxmlformats.org/drawingml/2006/main" xmlns:r="http://schemas.openxmlformats.org/officeDocument/2006/relationships" xmlns:p="http://schemas.openxmlformats.org/presentationml/2006/main">
-  <p:cSld>
-    <p:spTree>
-      <p:nvGrpSpPr>
-        <p:cNvPr id="1" name=""/>
-        <p:cNvGrpSpPr/>
-        <p:nvPr/>
-      </p:nvGrpSpPr>
-      <p:grpSpPr>
-        <a:xfrm>
-          <a:off x="0" y="0"/>
-          <a:ext cx="0" cy="0"/>
-          <a:chOff x="0" y="0"/>
-          <a:chExt cx="0" cy="0"/>
-        </a:xfrm>
-      </p:grpSpPr>
-      <p:sp>
-        <p:nvSpPr>
-          <p:cNvPr id="2" name="矩形 1"/>
-          <p:cNvSpPr/>
-          <p:nvPr/>
-        </p:nvSpPr>
-        <p:spPr>
-          <a:xfrm>
-            <a:off x="0" y="448022"/>
-            <a:ext cx="611560" cy="611560"/>
-          </a:xfrm>
-          <a:prstGeom prst="rect">
-            <a:avLst/>
-          </a:prstGeom>
-          <a:solidFill>
-            <a:srgbClr val="00B0F0"/>
-          </a:solidFill>
-          <a:ln>
-            <a:noFill/>
-          </a:ln>
-        </p:spPr>
-        <p:style>
-          <a:lnRef idx="2">
-            <a:schemeClr val="accent1">
-              <a:shade val="50000"/>
-            </a:schemeClr>
-          </a:lnRef>
-          <a:fillRef idx="1">
-            <a:schemeClr val="accent1"/>
-          </a:fillRef>
-          <a:effectRef idx="0">
-            <a:schemeClr val="accent1"/>
-          </a:effectRef>
-          <a:fontRef idx="minor">
-            <a:schemeClr val="lt1"/>
-          </a:fontRef>
-        </p:style>
-        <p:txBody>
-          <a:bodyPr rtlCol="0" anchor="ctr"/>
-          <a:lstStyle/>
-          <a:p>
-            <a:pPr algn="ctr"/>
-            <a:endParaRPr lang="zh-CN" altLang="en-US">
-              <a:solidFill>
-                <a:srgbClr val="F2A849"/>
-              </a:solidFill>
-            </a:endParaRPr>
-          </a:p>
-        </p:txBody>
-      </p:sp>
-      <p:sp>
-        <p:nvSpPr>
-          <p:cNvPr id="3" name="TextBox 2"/>
-          <p:cNvSpPr txBox="1"/>
-          <p:nvPr/>
-        </p:nvSpPr>
-        <p:spPr>
-          <a:xfrm>
-            <a:off x="683568" y="569136"/>
-            <a:ext cx="1584176" cy="369332"/>
-          </a:xfrm>
-          <a:prstGeom prst="rect">
-            <a:avLst/>
-          </a:prstGeom>
-          <a:noFill/>
-        </p:spPr>
-        <p:txBody>
-          <a:bodyPr wrap="square" rtlCol="0">
-            <a:spAutoFit/>
-          </a:bodyPr>
-          <a:lstStyle/>
-          <a:p>
-            <a:r>
-              <a:rPr lang="zh-CN" altLang="en-US" dirty="0"/>
-              <a:t>观察者模式</a:t>
-            </a:r>
-            <a:endParaRPr lang="zh-CN" altLang="en-US" dirty="0">
-              <a:solidFill>
-                <a:srgbClr val="00B0F0"/>
-              </a:solidFill>
-              <a:latin typeface="微软雅黑" pitchFamily="34" charset="-122"/>
-              <a:ea typeface="微软雅黑" pitchFamily="34" charset="-122"/>
-            </a:endParaRPr>
-          </a:p>
-        </p:txBody>
-      </p:sp>
-      <p:sp>
-        <p:nvSpPr>
-          <p:cNvPr id="4" name="文本框 3"/>
-          <p:cNvSpPr txBox="1"/>
-          <p:nvPr/>
-        </p:nvSpPr>
-        <p:spPr>
-          <a:xfrm>
-            <a:off x="899592" y="1347614"/>
-            <a:ext cx="7200800" cy="2585323"/>
-          </a:xfrm>
-          <a:prstGeom prst="rect">
-            <a:avLst/>
-          </a:prstGeom>
-          <a:noFill/>
-        </p:spPr>
-        <p:txBody>
-          <a:bodyPr wrap="square" rtlCol="0">
-            <a:spAutoFit/>
-          </a:bodyPr>
-          <a:lstStyle/>
-          <a:p>
-            <a:r>
-              <a:rPr lang="zh-CN" altLang="en-US" b="1" dirty="0"/>
-              <a:t>观察者模式是对象的行为模式，又叫发布</a:t>
-            </a:r>
-            <a:r>
-              <a:rPr lang="en-US" altLang="zh-CN" b="1" dirty="0"/>
-              <a:t>-</a:t>
-            </a:r>
-            <a:r>
-              <a:rPr lang="zh-CN" altLang="en-US" b="1" dirty="0"/>
-              <a:t>订阅</a:t>
-            </a:r>
-            <a:r>
-              <a:rPr lang="en-US" altLang="zh-CN" b="1" dirty="0"/>
-              <a:t>(Publish/Subscribe)</a:t>
-            </a:r>
-            <a:r>
-              <a:rPr lang="zh-CN" altLang="en-US" b="1" dirty="0"/>
-              <a:t>模式、</a:t>
-            </a:r>
-            <a:endParaRPr lang="en-US" altLang="zh-CN" b="1" dirty="0"/>
-          </a:p>
-          <a:p>
-            <a:r>
-              <a:rPr lang="zh-CN" altLang="en-US" b="1" dirty="0"/>
-              <a:t>模型</a:t>
-            </a:r>
-            <a:r>
-              <a:rPr lang="en-US" altLang="zh-CN" b="1" dirty="0"/>
-              <a:t>-</a:t>
-            </a:r>
-            <a:r>
-              <a:rPr lang="zh-CN" altLang="en-US" b="1" dirty="0"/>
-              <a:t>视图</a:t>
-            </a:r>
-            <a:r>
-              <a:rPr lang="en-US" altLang="zh-CN" b="1" dirty="0"/>
-              <a:t>(Model/View)</a:t>
-            </a:r>
-            <a:r>
-              <a:rPr lang="zh-CN" altLang="en-US" b="1" dirty="0"/>
-              <a:t>模式、源</a:t>
-            </a:r>
-            <a:r>
-              <a:rPr lang="en-US" altLang="zh-CN" b="1" dirty="0"/>
-              <a:t>-</a:t>
-            </a:r>
-            <a:r>
-              <a:rPr lang="zh-CN" altLang="en-US" b="1" dirty="0"/>
-              <a:t>监听器</a:t>
-            </a:r>
-            <a:r>
-              <a:rPr lang="en-US" altLang="zh-CN" b="1" dirty="0"/>
-              <a:t>(Source/Listener)</a:t>
-            </a:r>
-            <a:r>
-              <a:rPr lang="zh-CN" altLang="en-US" b="1" dirty="0"/>
-              <a:t>模式或从属者</a:t>
-            </a:r>
-            <a:r>
-              <a:rPr lang="en-US" altLang="zh-CN" b="1" dirty="0"/>
-              <a:t>(Dependents)</a:t>
-            </a:r>
-            <a:r>
-              <a:rPr lang="zh-CN" altLang="en-US" b="1" dirty="0"/>
-              <a:t>模式。</a:t>
-            </a:r>
-            <a:endParaRPr lang="en-US" altLang="zh-CN" b="1" dirty="0"/>
-          </a:p>
-          <a:p>
-            <a:endParaRPr lang="zh-CN" altLang="en-US" dirty="0"/>
-          </a:p>
-          <a:p>
-            <a:r>
-              <a:rPr lang="zh-CN" altLang="en-US" b="1" dirty="0"/>
-              <a:t>观察者模式定义了一种一对多的依赖关系，让多个观察者对象同时监听某一个主题对象。</a:t>
-            </a:r>
-            <a:endParaRPr lang="en-US" altLang="zh-CN" b="1" dirty="0"/>
-          </a:p>
-          <a:p>
-            <a:r>
-              <a:rPr lang="zh-CN" altLang="en-US" b="1" dirty="0"/>
-              <a:t>这个主题对象在状态上发生变化时，会通知所有观察者对象，使它们能够自动更新自己。</a:t>
-            </a:r>
-            <a:endParaRPr lang="zh-CN" altLang="en-US" dirty="0"/>
-          </a:p>
-          <a:p>
-            <a:endParaRPr lang="zh-CN" altLang="en-US" dirty="0"/>
-          </a:p>
-        </p:txBody>
-      </p:sp>
-    </p:spTree>
-    <p:extLst>
-      <p:ext uri="{BB962C8B-B14F-4D97-AF65-F5344CB8AC3E}">
-        <p14:creationId xmlns:p14="http://schemas.microsoft.com/office/powerpoint/2010/main" val="4241081893"/>
-      </p:ext>
-    </p:extLst>
-  </p:cSld>
-  <p:clrMapOvr>
-    <a:masterClrMapping/>
-  </p:clrMapOvr>
-</p:sld>
-</file>
-
-<file path=ppt/slides/slide21.xml><?xml version="1.0" encoding="utf-8"?>
-<p:sld xmlns:a="http://schemas.openxmlformats.org/drawingml/2006/main" xmlns:r="http://schemas.openxmlformats.org/officeDocument/2006/relationships" xmlns:p="http://schemas.openxmlformats.org/presentationml/2006/main">
-  <p:cSld>
-    <p:spTree>
-      <p:nvGrpSpPr>
-        <p:cNvPr id="1" name=""/>
-        <p:cNvGrpSpPr/>
-        <p:nvPr/>
-      </p:nvGrpSpPr>
-      <p:grpSpPr>
-        <a:xfrm>
-          <a:off x="0" y="0"/>
-          <a:ext cx="0" cy="0"/>
-          <a:chOff x="0" y="0"/>
-          <a:chExt cx="0" cy="0"/>
-        </a:xfrm>
-      </p:grpSpPr>
-      <p:sp>
-        <p:nvSpPr>
-          <p:cNvPr id="2" name="矩形 1"/>
-          <p:cNvSpPr/>
-          <p:nvPr/>
-        </p:nvSpPr>
-        <p:spPr>
-          <a:xfrm>
-            <a:off x="0" y="448022"/>
-            <a:ext cx="611560" cy="611560"/>
-          </a:xfrm>
-          <a:prstGeom prst="rect">
-            <a:avLst/>
-          </a:prstGeom>
-          <a:solidFill>
-            <a:srgbClr val="00B0F0"/>
-          </a:solidFill>
-          <a:ln>
-            <a:noFill/>
-          </a:ln>
-        </p:spPr>
-        <p:style>
-          <a:lnRef idx="2">
-            <a:schemeClr val="accent1">
-              <a:shade val="50000"/>
-            </a:schemeClr>
-          </a:lnRef>
-          <a:fillRef idx="1">
-            <a:schemeClr val="accent1"/>
-          </a:fillRef>
-          <a:effectRef idx="0">
-            <a:schemeClr val="accent1"/>
-          </a:effectRef>
-          <a:fontRef idx="minor">
-            <a:schemeClr val="lt1"/>
-          </a:fontRef>
-        </p:style>
-        <p:txBody>
-          <a:bodyPr rtlCol="0" anchor="ctr"/>
-          <a:lstStyle/>
-          <a:p>
-            <a:pPr algn="ctr"/>
-            <a:endParaRPr lang="zh-CN" altLang="en-US">
-              <a:solidFill>
-                <a:srgbClr val="F2A849"/>
-              </a:solidFill>
-            </a:endParaRPr>
-          </a:p>
-        </p:txBody>
-      </p:sp>
-      <p:sp>
-        <p:nvSpPr>
-          <p:cNvPr id="3" name="TextBox 2"/>
-          <p:cNvSpPr txBox="1"/>
-          <p:nvPr/>
-        </p:nvSpPr>
-        <p:spPr>
-          <a:xfrm>
-            <a:off x="683568" y="569136"/>
-            <a:ext cx="1584176" cy="369332"/>
-          </a:xfrm>
-          <a:prstGeom prst="rect">
-            <a:avLst/>
-          </a:prstGeom>
-          <a:noFill/>
-        </p:spPr>
-        <p:txBody>
-          <a:bodyPr wrap="square" rtlCol="0">
-            <a:spAutoFit/>
-          </a:bodyPr>
-          <a:lstStyle/>
-          <a:p>
-            <a:r>
-              <a:rPr lang="zh-CN" altLang="en-US" dirty="0"/>
-              <a:t>观察者模式</a:t>
-            </a:r>
-            <a:endParaRPr lang="zh-CN" altLang="en-US" dirty="0">
-              <a:solidFill>
-                <a:srgbClr val="00B0F0"/>
-              </a:solidFill>
-              <a:latin typeface="微软雅黑" pitchFamily="34" charset="-122"/>
-              <a:ea typeface="微软雅黑" pitchFamily="34" charset="-122"/>
-            </a:endParaRPr>
-          </a:p>
-        </p:txBody>
-      </p:sp>
-      <p:pic>
-        <p:nvPicPr>
-          <p:cNvPr id="6" name="图片 5"/>
-          <p:cNvPicPr>
-            <a:picLocks noChangeAspect="1"/>
-          </p:cNvPicPr>
-          <p:nvPr/>
-        </p:nvPicPr>
-        <p:blipFill>
-          <a:blip r:embed="rId2">
-            <a:extLst>
-              <a:ext uri="{28A0092B-C50C-407E-A947-70E740481C1C}">
-                <a14:useLocalDpi xmlns:a14="http://schemas.microsoft.com/office/drawing/2010/main" val="0"/>
-              </a:ext>
-            </a:extLst>
-          </a:blip>
-          <a:stretch>
-            <a:fillRect/>
-          </a:stretch>
-        </p:blipFill>
-        <p:spPr>
-          <a:xfrm>
-            <a:off x="971600" y="1131590"/>
-            <a:ext cx="7143090" cy="3067769"/>
-          </a:xfrm>
-          <a:prstGeom prst="rect">
-            <a:avLst/>
-          </a:prstGeom>
-        </p:spPr>
-      </p:pic>
-    </p:spTree>
-    <p:extLst>
-      <p:ext uri="{BB962C8B-B14F-4D97-AF65-F5344CB8AC3E}">
-        <p14:creationId xmlns:p14="http://schemas.microsoft.com/office/powerpoint/2010/main" val="1073976992"/>
-      </p:ext>
-    </p:extLst>
-  </p:cSld>
-  <p:clrMapOvr>
-    <a:masterClrMapping/>
-  </p:clrMapOvr>
-</p:sld>
-</file>
-
-<file path=ppt/slides/slide22.xml><?xml version="1.0" encoding="utf-8"?>
-<p:sld xmlns:a="http://schemas.openxmlformats.org/drawingml/2006/main" xmlns:r="http://schemas.openxmlformats.org/officeDocument/2006/relationships" xmlns:p="http://schemas.openxmlformats.org/presentationml/2006/main">
-  <p:cSld>
-    <p:spTree>
-      <p:nvGrpSpPr>
-        <p:cNvPr id="1" name=""/>
-        <p:cNvGrpSpPr/>
-        <p:nvPr/>
-      </p:nvGrpSpPr>
-      <p:grpSpPr>
-        <a:xfrm>
-          <a:off x="0" y="0"/>
-          <a:ext cx="0" cy="0"/>
-          <a:chOff x="0" y="0"/>
-          <a:chExt cx="0" cy="0"/>
-        </a:xfrm>
-      </p:grpSpPr>
-      <p:sp>
-        <p:nvSpPr>
-          <p:cNvPr id="2" name="矩形 1"/>
-          <p:cNvSpPr/>
-          <p:nvPr/>
-        </p:nvSpPr>
-        <p:spPr>
-          <a:xfrm>
-            <a:off x="0" y="448022"/>
-            <a:ext cx="611560" cy="611560"/>
-          </a:xfrm>
-          <a:prstGeom prst="rect">
-            <a:avLst/>
-          </a:prstGeom>
-          <a:solidFill>
-            <a:srgbClr val="00B0F0"/>
-          </a:solidFill>
-          <a:ln>
-            <a:noFill/>
-          </a:ln>
-        </p:spPr>
-        <p:style>
-          <a:lnRef idx="2">
-            <a:schemeClr val="accent1">
-              <a:shade val="50000"/>
-            </a:schemeClr>
-          </a:lnRef>
-          <a:fillRef idx="1">
-            <a:schemeClr val="accent1"/>
-          </a:fillRef>
-          <a:effectRef idx="0">
-            <a:schemeClr val="accent1"/>
-          </a:effectRef>
-          <a:fontRef idx="minor">
-            <a:schemeClr val="lt1"/>
-          </a:fontRef>
-        </p:style>
-        <p:txBody>
-          <a:bodyPr rtlCol="0" anchor="ctr"/>
-          <a:lstStyle/>
-          <a:p>
-            <a:pPr algn="ctr"/>
-            <a:endParaRPr lang="zh-CN" altLang="en-US">
-              <a:solidFill>
-                <a:srgbClr val="F2A849"/>
-              </a:solidFill>
-            </a:endParaRPr>
-          </a:p>
-        </p:txBody>
-      </p:sp>
-      <p:sp>
-        <p:nvSpPr>
-          <p:cNvPr id="3" name="TextBox 2"/>
-          <p:cNvSpPr txBox="1"/>
-          <p:nvPr/>
-        </p:nvSpPr>
-        <p:spPr>
-          <a:xfrm>
-            <a:off x="683568" y="569136"/>
-            <a:ext cx="1584176" cy="369332"/>
-          </a:xfrm>
-          <a:prstGeom prst="rect">
-            <a:avLst/>
-          </a:prstGeom>
-          <a:noFill/>
-        </p:spPr>
-        <p:txBody>
-          <a:bodyPr wrap="square" rtlCol="0">
-            <a:spAutoFit/>
-          </a:bodyPr>
-          <a:lstStyle/>
-          <a:p>
-            <a:r>
-              <a:rPr lang="zh-CN" altLang="en-US" dirty="0"/>
-              <a:t>命令模式</a:t>
-            </a:r>
-            <a:endParaRPr lang="zh-CN" altLang="en-US" dirty="0">
-              <a:solidFill>
-                <a:srgbClr val="00B0F0"/>
-              </a:solidFill>
-              <a:latin typeface="微软雅黑" pitchFamily="34" charset="-122"/>
-              <a:ea typeface="微软雅黑" pitchFamily="34" charset="-122"/>
-            </a:endParaRPr>
-          </a:p>
-        </p:txBody>
-      </p:sp>
-      <p:sp>
-        <p:nvSpPr>
-          <p:cNvPr id="4" name="文本框 3"/>
-          <p:cNvSpPr txBox="1"/>
-          <p:nvPr/>
-        </p:nvSpPr>
-        <p:spPr>
-          <a:xfrm>
-            <a:off x="827584" y="1491630"/>
-            <a:ext cx="8584401" cy="2585323"/>
-          </a:xfrm>
-          <a:prstGeom prst="rect">
-            <a:avLst/>
-          </a:prstGeom>
-          <a:noFill/>
-        </p:spPr>
-        <p:txBody>
-          <a:bodyPr wrap="none" rtlCol="0">
-            <a:spAutoFit/>
-          </a:bodyPr>
-          <a:lstStyle/>
-          <a:p>
-            <a:r>
-              <a:rPr lang="en-US" altLang="zh-CN" dirty="0"/>
-              <a:t>1)</a:t>
-            </a:r>
-            <a:r>
-              <a:rPr lang="zh-CN" altLang="en-US" dirty="0"/>
-              <a:t>、</a:t>
-            </a:r>
-            <a:r>
-              <a:rPr lang="en-US" altLang="zh-CN" dirty="0"/>
-              <a:t>command</a:t>
-            </a:r>
-            <a:r>
-              <a:rPr lang="zh-CN" altLang="en-US" dirty="0"/>
-              <a:t>模式将调用操作的对象和实现该操作的对象解耦</a:t>
-            </a:r>
-            <a:br>
-              <a:rPr lang="zh-CN" altLang="en-US" dirty="0"/>
-            </a:br>
-            <a:r>
-              <a:rPr lang="en-US" altLang="zh-CN" dirty="0"/>
-              <a:t>2)</a:t>
-            </a:r>
-            <a:r>
-              <a:rPr lang="zh-CN" altLang="en-US" dirty="0"/>
-              <a:t>、可以将多个命令装配成一个复合命令，复合命令是</a:t>
-            </a:r>
-            <a:r>
-              <a:rPr lang="en-US" altLang="zh-CN" dirty="0"/>
-              <a:t>Composite</a:t>
-            </a:r>
-            <a:r>
-              <a:rPr lang="zh-CN" altLang="en-US" dirty="0"/>
-              <a:t>模式的一个实例</a:t>
-            </a:r>
-            <a:br>
-              <a:rPr lang="zh-CN" altLang="en-US" dirty="0"/>
-            </a:br>
-            <a:r>
-              <a:rPr lang="en-US" altLang="zh-CN" dirty="0"/>
-              <a:t>3)</a:t>
-            </a:r>
-            <a:r>
-              <a:rPr lang="zh-CN" altLang="en-US" dirty="0"/>
-              <a:t>、增加新的</a:t>
-            </a:r>
-            <a:r>
-              <a:rPr lang="en-US" altLang="zh-CN" dirty="0"/>
-              <a:t>command</a:t>
-            </a:r>
-            <a:r>
-              <a:rPr lang="zh-CN" altLang="en-US" dirty="0"/>
-              <a:t>很容易，无需改变已有的类</a:t>
-            </a:r>
-            <a:br>
-              <a:rPr lang="zh-CN" altLang="en-US" dirty="0"/>
-            </a:br>
-            <a:r>
-              <a:rPr lang="zh-CN" altLang="en-US" dirty="0"/>
-              <a:t>适用性：</a:t>
-            </a:r>
-            <a:br>
-              <a:rPr lang="zh-CN" altLang="en-US" dirty="0"/>
-            </a:br>
-            <a:r>
-              <a:rPr lang="en-US" altLang="zh-CN" dirty="0"/>
-              <a:t>1)</a:t>
-            </a:r>
-            <a:r>
-              <a:rPr lang="zh-CN" altLang="en-US" dirty="0"/>
-              <a:t>、抽象出待执行的动作以参数化某对象</a:t>
-            </a:r>
-            <a:br>
-              <a:rPr lang="zh-CN" altLang="en-US" dirty="0"/>
-            </a:br>
-            <a:r>
-              <a:rPr lang="en-US" altLang="zh-CN" dirty="0"/>
-              <a:t>2)</a:t>
-            </a:r>
-            <a:r>
-              <a:rPr lang="zh-CN" altLang="en-US" dirty="0"/>
-              <a:t>、在不同的时刻指定、排列和执行请求。如请求队列</a:t>
-            </a:r>
-            <a:br>
-              <a:rPr lang="zh-CN" altLang="en-US" dirty="0"/>
-            </a:br>
-            <a:r>
-              <a:rPr lang="en-US" altLang="zh-CN" dirty="0"/>
-              <a:t>3)</a:t>
-            </a:r>
-            <a:r>
-              <a:rPr lang="zh-CN" altLang="en-US" dirty="0"/>
-              <a:t>、支持取消操作</a:t>
-            </a:r>
-            <a:br>
-              <a:rPr lang="zh-CN" altLang="en-US" dirty="0"/>
-            </a:br>
-            <a:r>
-              <a:rPr lang="en-US" altLang="zh-CN" dirty="0"/>
-              <a:t>4)</a:t>
-            </a:r>
-            <a:r>
-              <a:rPr lang="zh-CN" altLang="en-US" dirty="0"/>
-              <a:t>、支持修改日志</a:t>
-            </a:r>
-            <a:br>
-              <a:rPr lang="zh-CN" altLang="en-US" dirty="0"/>
-            </a:br>
-            <a:r>
-              <a:rPr lang="en-US" altLang="zh-CN" dirty="0"/>
-              <a:t>5)</a:t>
-            </a:r>
-            <a:r>
-              <a:rPr lang="zh-CN" altLang="en-US" dirty="0"/>
-              <a:t>、用构建在原语操作上的高层操作构造一个系统。支持事物</a:t>
-            </a:r>
-            <a:endParaRPr lang="zh-CN" altLang="en-US" dirty="0"/>
-          </a:p>
-        </p:txBody>
-      </p:sp>
-      <p:sp>
-        <p:nvSpPr>
-          <p:cNvPr id="5" name="文本框 4"/>
-          <p:cNvSpPr txBox="1"/>
-          <p:nvPr/>
-        </p:nvSpPr>
-        <p:spPr>
-          <a:xfrm>
-            <a:off x="899592" y="4227934"/>
-            <a:ext cx="3960440" cy="923330"/>
-          </a:xfrm>
-          <a:prstGeom prst="rect">
-            <a:avLst/>
-          </a:prstGeom>
-          <a:noFill/>
-        </p:spPr>
-        <p:txBody>
-          <a:bodyPr wrap="square" rtlCol="0">
-            <a:spAutoFit/>
-          </a:bodyPr>
-          <a:lstStyle/>
-          <a:p>
-            <a:r>
-              <a:rPr lang="zh-CN" altLang="en-US" dirty="0"/>
-              <a:t>常见应用：</a:t>
-            </a:r>
-            <a:br>
-              <a:rPr lang="zh-CN" altLang="en-US" dirty="0"/>
-            </a:br>
-            <a:r>
-              <a:rPr lang="en-US" altLang="zh-CN" dirty="0"/>
-              <a:t>1</a:t>
-            </a:r>
-            <a:r>
-              <a:rPr lang="zh-CN" altLang="en-US" dirty="0"/>
-              <a:t>、工作队列，线程池，日程安排</a:t>
-            </a:r>
-            <a:br>
-              <a:rPr lang="zh-CN" altLang="en-US" dirty="0"/>
-            </a:br>
-            <a:r>
-              <a:rPr lang="en-US" altLang="zh-CN" dirty="0"/>
-              <a:t>2</a:t>
-            </a:r>
-            <a:r>
-              <a:rPr lang="zh-CN" altLang="en-US" dirty="0"/>
-              <a:t>、日志请求</a:t>
-            </a:r>
-            <a:r>
-              <a:rPr lang="en-US" altLang="zh-CN" dirty="0"/>
-              <a:t>(</a:t>
-            </a:r>
-            <a:r>
-              <a:rPr lang="zh-CN" altLang="en-US" dirty="0"/>
-              <a:t>系统恢复</a:t>
-            </a:r>
-            <a:r>
-              <a:rPr lang="en-US" altLang="zh-CN" dirty="0"/>
-              <a:t>)</a:t>
-            </a:r>
-            <a:endParaRPr lang="zh-CN" altLang="en-US" dirty="0"/>
-          </a:p>
-        </p:txBody>
-      </p:sp>
-    </p:spTree>
-    <p:extLst>
-      <p:ext uri="{BB962C8B-B14F-4D97-AF65-F5344CB8AC3E}">
-        <p14:creationId xmlns:p14="http://schemas.microsoft.com/office/powerpoint/2010/main" val="3978819672"/>
-      </p:ext>
-    </p:extLst>
-  </p:cSld>
-  <p:clrMapOvr>
-    <a:masterClrMapping/>
-  </p:clrMapOvr>
-</p:sld>
-</file>
-
-<file path=ppt/slides/slide23.xml><?xml version="1.0" encoding="utf-8"?>
-<p:sld xmlns:a="http://schemas.openxmlformats.org/drawingml/2006/main" xmlns:r="http://schemas.openxmlformats.org/officeDocument/2006/relationships" xmlns:p="http://schemas.openxmlformats.org/presentationml/2006/main">
-  <p:cSld>
-    <p:spTree>
-      <p:nvGrpSpPr>
-        <p:cNvPr id="1" name=""/>
-        <p:cNvGrpSpPr/>
-        <p:nvPr/>
-      </p:nvGrpSpPr>
-      <p:grpSpPr>
-        <a:xfrm>
-          <a:off x="0" y="0"/>
-          <a:ext cx="0" cy="0"/>
-          <a:chOff x="0" y="0"/>
-          <a:chExt cx="0" cy="0"/>
-        </a:xfrm>
-      </p:grpSpPr>
-      <p:sp>
-        <p:nvSpPr>
-          <p:cNvPr id="2" name="矩形 1"/>
-          <p:cNvSpPr/>
-          <p:nvPr/>
-        </p:nvSpPr>
-        <p:spPr>
-          <a:xfrm>
-            <a:off x="0" y="448022"/>
-            <a:ext cx="611560" cy="611560"/>
-          </a:xfrm>
-          <a:prstGeom prst="rect">
-            <a:avLst/>
-          </a:prstGeom>
-          <a:solidFill>
-            <a:srgbClr val="00B0F0"/>
-          </a:solidFill>
-          <a:ln>
-            <a:noFill/>
-          </a:ln>
-        </p:spPr>
-        <p:style>
-          <a:lnRef idx="2">
-            <a:schemeClr val="accent1">
-              <a:shade val="50000"/>
-            </a:schemeClr>
-          </a:lnRef>
-          <a:fillRef idx="1">
-            <a:schemeClr val="accent1"/>
-          </a:fillRef>
-          <a:effectRef idx="0">
-            <a:schemeClr val="accent1"/>
-          </a:effectRef>
-          <a:fontRef idx="minor">
-            <a:schemeClr val="lt1"/>
-          </a:fontRef>
-        </p:style>
-        <p:txBody>
-          <a:bodyPr rtlCol="0" anchor="ctr"/>
-          <a:lstStyle/>
-          <a:p>
-            <a:pPr algn="ctr"/>
-            <a:endParaRPr lang="zh-CN" altLang="en-US">
-              <a:solidFill>
-                <a:srgbClr val="F2A849"/>
-              </a:solidFill>
-            </a:endParaRPr>
-          </a:p>
-        </p:txBody>
-      </p:sp>
-      <p:sp>
-        <p:nvSpPr>
-          <p:cNvPr id="3" name="TextBox 2"/>
-          <p:cNvSpPr txBox="1"/>
-          <p:nvPr/>
-        </p:nvSpPr>
-        <p:spPr>
-          <a:xfrm>
-            <a:off x="683568" y="569136"/>
-            <a:ext cx="1584176" cy="369332"/>
-          </a:xfrm>
-          <a:prstGeom prst="rect">
-            <a:avLst/>
-          </a:prstGeom>
-          <a:noFill/>
-        </p:spPr>
-        <p:txBody>
-          <a:bodyPr wrap="square" rtlCol="0">
-            <a:spAutoFit/>
-          </a:bodyPr>
-          <a:lstStyle/>
-          <a:p>
-            <a:r>
-              <a:rPr lang="zh-CN" altLang="en-US" dirty="0"/>
-              <a:t>命令模式</a:t>
-            </a:r>
-            <a:endParaRPr lang="zh-CN" altLang="en-US" dirty="0">
-              <a:solidFill>
-                <a:srgbClr val="00B0F0"/>
-              </a:solidFill>
-              <a:latin typeface="微软雅黑" pitchFamily="34" charset="-122"/>
-              <a:ea typeface="微软雅黑" pitchFamily="34" charset="-122"/>
-            </a:endParaRPr>
-          </a:p>
-        </p:txBody>
-      </p:sp>
-      <p:pic>
-        <p:nvPicPr>
-          <p:cNvPr id="8" name="图片 7"/>
-          <p:cNvPicPr>
-            <a:picLocks noChangeAspect="1"/>
-          </p:cNvPicPr>
-          <p:nvPr/>
-        </p:nvPicPr>
-        <p:blipFill>
-          <a:blip r:embed="rId2">
-            <a:extLst>
-              <a:ext uri="{28A0092B-C50C-407E-A947-70E740481C1C}">
-                <a14:useLocalDpi xmlns:a14="http://schemas.microsoft.com/office/drawing/2010/main" val="0"/>
-              </a:ext>
-            </a:extLst>
-          </a:blip>
-          <a:stretch>
-            <a:fillRect/>
-          </a:stretch>
-        </p:blipFill>
-        <p:spPr>
-          <a:xfrm>
-            <a:off x="1331640" y="1039391"/>
-            <a:ext cx="6768752" cy="3504968"/>
-          </a:xfrm>
-          <a:prstGeom prst="rect">
-            <a:avLst/>
-          </a:prstGeom>
-        </p:spPr>
-      </p:pic>
-    </p:spTree>
-    <p:extLst>
-      <p:ext uri="{BB962C8B-B14F-4D97-AF65-F5344CB8AC3E}">
-        <p14:creationId xmlns:p14="http://schemas.microsoft.com/office/powerpoint/2010/main" val="1618001342"/>
-      </p:ext>
-    </p:extLst>
-  </p:cSld>
-  <p:clrMapOvr>
-    <a:masterClrMapping/>
-  </p:clrMapOvr>
-</p:sld>
-</file>
-
-<file path=ppt/slides/slide3.xml><?xml version="1.0" encoding="utf-8"?>
+<file path=ppt/slides/slide4.xml><?xml version="1.0" encoding="utf-8"?>
 <p:sld xmlns:a="http://schemas.openxmlformats.org/drawingml/2006/main" xmlns:r="http://schemas.openxmlformats.org/officeDocument/2006/relationships" xmlns:p="http://schemas.openxmlformats.org/presentationml/2006/main">
   <p:cSld>
     <p:spTree>
@@ -9152,7 +9045,7 @@
         <p:spPr>
           <a:xfrm>
             <a:off x="1115616" y="1275606"/>
-            <a:ext cx="6264696" cy="3139321"/>
+            <a:ext cx="6984776" cy="3139321"/>
           </a:xfrm>
           <a:prstGeom prst="rect">
             <a:avLst/>
@@ -9191,6 +9084,34 @@
               </a:rPr>
               <a:t>Open Close Principle</a:t>
             </a:r>
+            <a:r>
+              <a:rPr lang="zh-CN" altLang="en-US" b="1" dirty="0">
+                <a:solidFill>
+                  <a:srgbClr val="000000"/>
+                </a:solidFill>
+                <a:latin typeface="Verdana" panose="020B0604030504040204" pitchFamily="34" charset="0"/>
+              </a:rPr>
+              <a:t>（</a:t>
+            </a:r>
+            <a:r>
+              <a:rPr lang="zh-CN" altLang="en-US" b="1" dirty="0"/>
+              <a:t>开闭原则</a:t>
+            </a:r>
+            <a:r>
+              <a:rPr lang="zh-CN" altLang="en-US" b="1" dirty="0">
+                <a:solidFill>
+                  <a:srgbClr val="000000"/>
+                </a:solidFill>
+                <a:latin typeface="Verdana" panose="020B0604030504040204" pitchFamily="34" charset="0"/>
+              </a:rPr>
+              <a:t>）</a:t>
+            </a:r>
+            <a:endParaRPr lang="en-US" altLang="zh-CN" b="1" dirty="0">
+              <a:solidFill>
+                <a:srgbClr val="000000"/>
+              </a:solidFill>
+              <a:latin typeface="Verdana" panose="020B0604030504040204" pitchFamily="34" charset="0"/>
+            </a:endParaRPr>
           </a:p>
           <a:p>
             <a:endParaRPr lang="en-US" altLang="zh-CN" b="1" dirty="0">
@@ -9237,6 +9158,34 @@
               </a:rPr>
               <a:t> Substitution Principle</a:t>
             </a:r>
+            <a:r>
+              <a:rPr lang="zh-CN" altLang="en-US" b="1" dirty="0">
+                <a:solidFill>
+                  <a:srgbClr val="000000"/>
+                </a:solidFill>
+                <a:latin typeface="Verdana" panose="020B0604030504040204" pitchFamily="34" charset="0"/>
+              </a:rPr>
+              <a:t>（</a:t>
+            </a:r>
+            <a:r>
+              <a:rPr lang="zh-CN" altLang="en-US" b="1" dirty="0"/>
+              <a:t>里氏代换原则</a:t>
+            </a:r>
+            <a:r>
+              <a:rPr lang="zh-CN" altLang="en-US" b="1" dirty="0">
+                <a:solidFill>
+                  <a:srgbClr val="000000"/>
+                </a:solidFill>
+                <a:latin typeface="Verdana" panose="020B0604030504040204" pitchFamily="34" charset="0"/>
+              </a:rPr>
+              <a:t>）</a:t>
+            </a:r>
+            <a:endParaRPr lang="en-US" altLang="zh-CN" b="1" dirty="0">
+              <a:solidFill>
+                <a:srgbClr val="000000"/>
+              </a:solidFill>
+              <a:latin typeface="Verdana" panose="020B0604030504040204" pitchFamily="34" charset="0"/>
+            </a:endParaRPr>
           </a:p>
           <a:p>
             <a:endParaRPr lang="en-US" altLang="zh-CN" b="1" dirty="0">
@@ -9274,6 +9223,34 @@
               </a:rPr>
               <a:t>Dependence Inversion Principle</a:t>
             </a:r>
+            <a:r>
+              <a:rPr lang="zh-CN" altLang="en-US" b="1" dirty="0">
+                <a:solidFill>
+                  <a:srgbClr val="000000"/>
+                </a:solidFill>
+                <a:latin typeface="Verdana" panose="020B0604030504040204" pitchFamily="34" charset="0"/>
+              </a:rPr>
+              <a:t>（</a:t>
+            </a:r>
+            <a:r>
+              <a:rPr lang="zh-CN" altLang="en-US" b="1" dirty="0"/>
+              <a:t>依赖倒转原则</a:t>
+            </a:r>
+            <a:r>
+              <a:rPr lang="zh-CN" altLang="en-US" b="1" dirty="0">
+                <a:solidFill>
+                  <a:srgbClr val="000000"/>
+                </a:solidFill>
+                <a:latin typeface="Verdana" panose="020B0604030504040204" pitchFamily="34" charset="0"/>
+              </a:rPr>
+              <a:t>）</a:t>
+            </a:r>
+            <a:endParaRPr lang="en-US" altLang="zh-CN" b="1" dirty="0">
+              <a:solidFill>
+                <a:srgbClr val="000000"/>
+              </a:solidFill>
+              <a:latin typeface="Verdana" panose="020B0604030504040204" pitchFamily="34" charset="0"/>
+            </a:endParaRPr>
           </a:p>
           <a:p>
             <a:endParaRPr lang="en-US" altLang="zh-CN" b="1" dirty="0">
@@ -9311,6 +9288,34 @@
               </a:rPr>
               <a:t>Interface Segregation Principle</a:t>
             </a:r>
+            <a:r>
+              <a:rPr lang="zh-CN" altLang="en-US" b="1" dirty="0">
+                <a:solidFill>
+                  <a:srgbClr val="000000"/>
+                </a:solidFill>
+                <a:latin typeface="Verdana" panose="020B0604030504040204" pitchFamily="34" charset="0"/>
+              </a:rPr>
+              <a:t>（</a:t>
+            </a:r>
+            <a:r>
+              <a:rPr lang="zh-CN" altLang="en-US" b="1" dirty="0"/>
+              <a:t>接口隔离原则</a:t>
+            </a:r>
+            <a:r>
+              <a:rPr lang="zh-CN" altLang="en-US" b="1" dirty="0">
+                <a:solidFill>
+                  <a:srgbClr val="000000"/>
+                </a:solidFill>
+                <a:latin typeface="Verdana" panose="020B0604030504040204" pitchFamily="34" charset="0"/>
+              </a:rPr>
+              <a:t>）</a:t>
+            </a:r>
+            <a:endParaRPr lang="en-US" altLang="zh-CN" b="1" dirty="0">
+              <a:solidFill>
+                <a:srgbClr val="000000"/>
+              </a:solidFill>
+              <a:latin typeface="Verdana" panose="020B0604030504040204" pitchFamily="34" charset="0"/>
+            </a:endParaRPr>
           </a:p>
           <a:p>
             <a:endParaRPr lang="en-US" altLang="zh-CN" b="1" dirty="0">
@@ -9346,7 +9351,20 @@
                 </a:solidFill>
                 <a:latin typeface="Verdana" panose="020B0604030504040204" pitchFamily="34" charset="0"/>
               </a:rPr>
-              <a:t>Demeter Principle</a:t>
+              <a:t>Demeter Principle[</a:t>
+            </a:r>
+            <a:r>
+              <a:rPr lang="zh-CN" altLang="en-US" b="1" dirty="0"/>
+              <a:t>迪米特法则（最少知道原则）</a:t>
+            </a:r>
+            <a:r>
+              <a:rPr lang="en-US" altLang="zh-CN" b="1" dirty="0">
+                <a:solidFill>
+                  <a:srgbClr val="000000"/>
+                </a:solidFill>
+                <a:latin typeface="Verdana" panose="020B0604030504040204" pitchFamily="34" charset="0"/>
+              </a:rPr>
+              <a:t>]</a:t>
             </a:r>
           </a:p>
           <a:p>
@@ -9384,6 +9402,28 @@
                 <a:latin typeface="Verdana" panose="020B0604030504040204" pitchFamily="34" charset="0"/>
               </a:rPr>
               <a:t>Composite Reuse Principle</a:t>
+            </a:r>
+            <a:r>
+              <a:rPr lang="zh-CN" altLang="en-US" b="1" dirty="0">
+                <a:solidFill>
+                  <a:srgbClr val="000000"/>
+                </a:solidFill>
+                <a:latin typeface="Verdana" panose="020B0604030504040204" pitchFamily="34" charset="0"/>
+              </a:rPr>
+              <a:t>（</a:t>
+            </a:r>
+            <a:r>
+              <a:rPr lang="zh-CN" altLang="en-US" b="1" dirty="0"/>
+              <a:t>合成复用原则</a:t>
+            </a:r>
+            <a:r>
+              <a:rPr lang="zh-CN" altLang="en-US" b="1" dirty="0">
+                <a:solidFill>
+                  <a:srgbClr val="000000"/>
+                </a:solidFill>
+                <a:latin typeface="Verdana" panose="020B0604030504040204" pitchFamily="34" charset="0"/>
+              </a:rPr>
+              <a:t>）</a:t>
             </a:r>
             <a:endParaRPr lang="zh-CN" altLang="en-US" b="0" i="0" dirty="0">
               <a:solidFill>
@@ -9408,7 +9448,7 @@
 </p:sld>
 </file>
 
-<file path=ppt/slides/slide4.xml><?xml version="1.0" encoding="utf-8"?>
+<file path=ppt/slides/slide5.xml><?xml version="1.0" encoding="utf-8"?>
 <p:sld xmlns:a="http://schemas.openxmlformats.org/drawingml/2006/main" xmlns:r="http://schemas.openxmlformats.org/officeDocument/2006/relationships" xmlns:p="http://schemas.openxmlformats.org/presentationml/2006/main">
   <p:cSld>
     <p:spTree>
@@ -9479,8 +9519,8 @@
         </p:nvSpPr>
         <p:spPr>
           <a:xfrm>
-            <a:off x="709823" y="555526"/>
-            <a:ext cx="1584176" cy="369332"/>
+            <a:off x="709822" y="555526"/>
+            <a:ext cx="3142097" cy="369332"/>
           </a:xfrm>
           <a:prstGeom prst="rect">
             <a:avLst/>
@@ -9495,7 +9535,15 @@
           <a:p>
             <a:r>
               <a:rPr lang="zh-CN" altLang="en-US" dirty="0"/>
-              <a:t>抽象工厂</a:t>
+              <a:t>抽象工厂（</a:t>
+            </a:r>
+            <a:r>
+              <a:rPr lang="en-US" altLang="zh-CN" dirty="0" err="1"/>
+              <a:t>abstractFactory</a:t>
+            </a:r>
+            <a:r>
+              <a:rPr lang="zh-CN" altLang="en-US" dirty="0"/>
+              <a:t>）</a:t>
             </a:r>
             <a:endParaRPr lang="zh-CN" altLang="en-US" sz="1600" dirty="0">
               <a:solidFill>
@@ -9543,7 +9591,6 @@
               <a:rPr lang="en-US" altLang="zh-CN" dirty="0"/>
               <a:t>of related or dependent objects without specifying their concrete classes</a:t>
             </a:r>
-            <a:endParaRPr lang="en-US" altLang="zh-CN" dirty="0"/>
           </a:p>
           <a:p>
             <a:endParaRPr lang="zh-CN" altLang="en-US" dirty="0"/>
@@ -9559,7 +9606,7 @@
         <p:spPr>
           <a:xfrm>
             <a:off x="899592" y="2427734"/>
-            <a:ext cx="6647974" cy="1477328"/>
+            <a:ext cx="7632848" cy="1200329"/>
           </a:xfrm>
           <a:prstGeom prst="rect">
             <a:avLst/>
@@ -9567,39 +9614,21 @@
           <a:noFill/>
         </p:spPr>
         <p:txBody>
-          <a:bodyPr wrap="none" rtlCol="0">
+          <a:bodyPr wrap="square" rtlCol="0">
             <a:spAutoFit/>
           </a:bodyPr>
           <a:lstStyle/>
           <a:p>
             <a:r>
               <a:rPr lang="zh-CN" altLang="en-US" dirty="0"/>
-              <a:t>优点：</a:t>
-            </a:r>
+              <a:t>优点：抽象工厂模式相对于工厂方法模式来说，每个具体工厂可以生产一族产品（即多种产品）；</a:t>
+            </a:r>
+            <a:endParaRPr lang="en-US" altLang="zh-CN" dirty="0"/>
+          </a:p>
+          <a:p>
             <a:r>
               <a:rPr lang="zh-CN" altLang="en-US" dirty="0"/>
-              <a:t>抽象工厂模式相对于工厂方法模式来说，</a:t>
-            </a:r>
-            <a:endParaRPr lang="en-US" altLang="zh-CN" dirty="0"/>
-          </a:p>
-          <a:p>
-            <a:r>
-              <a:rPr lang="zh-CN" altLang="en-US" dirty="0"/>
-              <a:t>每个具体工厂可以生产一族产品（即多种产品）；</a:t>
-            </a:r>
-            <a:endParaRPr lang="en-US" altLang="zh-CN" dirty="0"/>
-          </a:p>
-          <a:p>
-            <a:r>
-              <a:rPr lang="zh-CN" altLang="en-US" dirty="0"/>
-              <a:t>而工厂方法模式是具体工厂生产相应的具体产品，</a:t>
-            </a:r>
-            <a:endParaRPr lang="en-US" altLang="zh-CN" dirty="0"/>
-          </a:p>
-          <a:p>
-            <a:r>
-              <a:rPr lang="zh-CN" altLang="en-US" dirty="0"/>
-              <a:t>只能生产一种产品。</a:t>
+              <a:t>而工厂方法模式是具体工厂生产相应的具体产品，只能生产一种产品。</a:t>
             </a:r>
             <a:endParaRPr lang="en-US" altLang="zh-CN" dirty="0"/>
           </a:p>
@@ -9608,7 +9637,6 @@
               <a:rPr lang="zh-CN" altLang="en-US" dirty="0"/>
               <a:t>当产品族中只有一种产品时抽象工厂模式退化成工厂方法模式。</a:t>
             </a:r>
-            <a:endParaRPr lang="zh-CN" altLang="en-US" dirty="0"/>
           </a:p>
         </p:txBody>
       </p:sp>
@@ -9625,7 +9653,7 @@
 </p:sld>
 </file>
 
-<file path=ppt/slides/slide5.xml><?xml version="1.0" encoding="utf-8"?>
+<file path=ppt/slides/slide6.xml><?xml version="1.0" encoding="utf-8"?>
 <p:sld xmlns:a="http://schemas.openxmlformats.org/drawingml/2006/main" xmlns:r="http://schemas.openxmlformats.org/officeDocument/2006/relationships" xmlns:p="http://schemas.openxmlformats.org/presentationml/2006/main">
   <p:cSld>
     <p:spTree>
@@ -9800,7 +9828,7 @@
 </p:sld>
 </file>
 
-<file path=ppt/slides/slide6.xml><?xml version="1.0" encoding="utf-8"?>
+<file path=ppt/slides/slide7.xml><?xml version="1.0" encoding="utf-8"?>
 <p:sld xmlns:a="http://schemas.openxmlformats.org/drawingml/2006/main" xmlns:r="http://schemas.openxmlformats.org/officeDocument/2006/relationships" xmlns:p="http://schemas.openxmlformats.org/presentationml/2006/main">
   <p:cSld>
     <p:spTree>
@@ -9907,7 +9935,7 @@
         </p:nvSpPr>
         <p:spPr>
           <a:xfrm>
-            <a:off x="899592" y="1275606"/>
+            <a:off x="899592" y="987574"/>
             <a:ext cx="8258992" cy="2308324"/>
           </a:xfrm>
           <a:prstGeom prst="rect">
@@ -9984,7 +10012,7 @@
         </p:nvSpPr>
         <p:spPr>
           <a:xfrm>
-            <a:off x="899592" y="2678598"/>
+            <a:off x="899592" y="2211710"/>
             <a:ext cx="7797327" cy="1754326"/>
           </a:xfrm>
           <a:prstGeom prst="rect">
@@ -10072,92 +10100,16 @@
           </a:p>
         </p:txBody>
       </p:sp>
-    </p:spTree>
-    <p:extLst>
-      <p:ext uri="{BB962C8B-B14F-4D97-AF65-F5344CB8AC3E}">
-        <p14:creationId xmlns:p14="http://schemas.microsoft.com/office/powerpoint/2010/main" val="2765919978"/>
-      </p:ext>
-    </p:extLst>
-  </p:cSld>
-  <p:clrMapOvr>
-    <a:masterClrMapping/>
-  </p:clrMapOvr>
-</p:sld>
-</file>
-
-<file path=ppt/slides/slide7.xml><?xml version="1.0" encoding="utf-8"?>
-<p:sld xmlns:a="http://schemas.openxmlformats.org/drawingml/2006/main" xmlns:r="http://schemas.openxmlformats.org/officeDocument/2006/relationships" xmlns:p="http://schemas.openxmlformats.org/presentationml/2006/main">
-  <p:cSld>
-    <p:spTree>
-      <p:nvGrpSpPr>
-        <p:cNvPr id="1" name=""/>
-        <p:cNvGrpSpPr/>
-        <p:nvPr/>
-      </p:nvGrpSpPr>
-      <p:grpSpPr>
-        <a:xfrm>
-          <a:off x="0" y="0"/>
-          <a:ext cx="0" cy="0"/>
-          <a:chOff x="0" y="0"/>
-          <a:chExt cx="0" cy="0"/>
-        </a:xfrm>
-      </p:grpSpPr>
-      <p:sp>
-        <p:nvSpPr>
-          <p:cNvPr id="3" name="矩形 2"/>
-          <p:cNvSpPr/>
-          <p:nvPr/>
-        </p:nvSpPr>
-        <p:spPr>
-          <a:xfrm>
-            <a:off x="0" y="448022"/>
-            <a:ext cx="611560" cy="611560"/>
-          </a:xfrm>
-          <a:prstGeom prst="rect">
-            <a:avLst/>
-          </a:prstGeom>
-          <a:solidFill>
-            <a:srgbClr val="F46970"/>
-          </a:solidFill>
-          <a:ln>
-            <a:noFill/>
-          </a:ln>
-        </p:spPr>
-        <p:style>
-          <a:lnRef idx="2">
-            <a:schemeClr val="accent1">
-              <a:shade val="50000"/>
-            </a:schemeClr>
-          </a:lnRef>
-          <a:fillRef idx="1">
-            <a:schemeClr val="accent1"/>
-          </a:fillRef>
-          <a:effectRef idx="0">
-            <a:schemeClr val="accent1"/>
-          </a:effectRef>
-          <a:fontRef idx="minor">
-            <a:schemeClr val="lt1"/>
-          </a:fontRef>
-        </p:style>
-        <p:txBody>
-          <a:bodyPr rtlCol="0" anchor="ctr"/>
-          <a:lstStyle/>
-          <a:p>
-            <a:pPr algn="ctr"/>
-            <a:endParaRPr lang="zh-CN" altLang="en-US"/>
-          </a:p>
-        </p:txBody>
-      </p:sp>
-      <p:sp>
-        <p:nvSpPr>
-          <p:cNvPr id="5" name="TextBox 4"/>
+      <p:sp>
+        <p:nvSpPr>
+          <p:cNvPr id="6" name="文本框 5"/>
           <p:cNvSpPr txBox="1"/>
           <p:nvPr/>
         </p:nvSpPr>
         <p:spPr>
           <a:xfrm>
-            <a:off x="709823" y="555526"/>
-            <a:ext cx="1584176" cy="369332"/>
+            <a:off x="971600" y="4083918"/>
+            <a:ext cx="5904656" cy="1200329"/>
           </a:xfrm>
           <a:prstGeom prst="rect">
             <a:avLst/>
@@ -10171,52 +10123,12 @@
           <a:lstStyle/>
           <a:p>
             <a:r>
-              <a:rPr lang="zh-CN" altLang="en-US" dirty="0"/>
-              <a:t>单例模式</a:t>
-            </a:r>
-            <a:endParaRPr lang="zh-CN" altLang="en-US" sz="1600" dirty="0">
-              <a:solidFill>
-                <a:srgbClr val="F46970"/>
-              </a:solidFill>
-              <a:latin typeface="微软雅黑" pitchFamily="34" charset="-122"/>
-              <a:ea typeface="微软雅黑" pitchFamily="34" charset="-122"/>
-            </a:endParaRPr>
-          </a:p>
-        </p:txBody>
-      </p:sp>
-      <p:sp>
-        <p:nvSpPr>
-          <p:cNvPr id="6" name="文本框 5"/>
-          <p:cNvSpPr txBox="1"/>
-          <p:nvPr/>
-        </p:nvSpPr>
-        <p:spPr>
-          <a:xfrm>
-            <a:off x="1259632" y="1779662"/>
-            <a:ext cx="4794902" cy="923330"/>
-          </a:xfrm>
-          <a:prstGeom prst="rect">
-            <a:avLst/>
-          </a:prstGeom>
-          <a:noFill/>
-        </p:spPr>
-        <p:txBody>
-          <a:bodyPr wrap="none" rtlCol="0">
-            <a:spAutoFit/>
-          </a:bodyPr>
-          <a:lstStyle/>
-          <a:p>
-            <a:r>
               <a:rPr lang="en-US" altLang="zh-CN" dirty="0" err="1"/>
               <a:t>eg</a:t>
             </a:r>
             <a:r>
               <a:rPr lang="zh-CN" altLang="en-US" dirty="0"/>
-              <a:t>：</a:t>
-            </a:r>
-            <a:r>
-              <a:rPr lang="zh-CN" altLang="en-US" dirty="0"/>
-              <a:t>懒汉式单例、饿汉式单例、登记式单例。</a:t>
+              <a:t>：懒汉式单例、饿汉式单例、登记式单例。</a:t>
             </a:r>
             <a:endParaRPr lang="en-US" altLang="zh-CN" dirty="0"/>
           </a:p>
@@ -10228,6 +10140,8 @@
               <a:rPr lang="zh-CN" altLang="en-US" dirty="0"/>
               <a:t>最好的是枚举类</a:t>
             </a:r>
+          </a:p>
+          <a:p>
             <a:endParaRPr lang="zh-CN" altLang="en-US" dirty="0"/>
           </a:p>
         </p:txBody>
@@ -10235,7 +10149,7 @@
     </p:spTree>
     <p:extLst>
       <p:ext uri="{BB962C8B-B14F-4D97-AF65-F5344CB8AC3E}">
-        <p14:creationId xmlns:p14="http://schemas.microsoft.com/office/powerpoint/2010/main" val="641400947"/>
+        <p14:creationId xmlns:p14="http://schemas.microsoft.com/office/powerpoint/2010/main" val="2765919978"/>
       </p:ext>
     </p:extLst>
   </p:cSld>
